--- a/mfarm/Project-4.pptx
+++ b/mfarm/Project-4.pptx
@@ -8,10 +8,12 @@
     <p:sldId id="256" r:id="rId2"/>
     <p:sldId id="257" r:id="rId3"/>
     <p:sldId id="258" r:id="rId4"/>
-    <p:sldId id="259" r:id="rId5"/>
+    <p:sldId id="263" r:id="rId5"/>
     <p:sldId id="260" r:id="rId6"/>
-    <p:sldId id="261" r:id="rId7"/>
-    <p:sldId id="262" r:id="rId8"/>
+    <p:sldId id="265" r:id="rId7"/>
+    <p:sldId id="264" r:id="rId8"/>
+    <p:sldId id="261" r:id="rId9"/>
+    <p:sldId id="262" r:id="rId10"/>
   </p:sldIdLst>
   <p:sldSz cx="12192000" cy="6858000"/>
   <p:notesSz cx="6858000" cy="9144000"/>
@@ -5202,11 +5204,71 @@
           <a:bodyPr/>
           <a:lstStyle/>
           <a:p>
+            <a:pPr marL="0" marR="0" lvl="0" indent="0" algn="l" defTabSz="914400" rtl="0" eaLnBrk="1" fontAlgn="auto" latinLnBrk="0" hangingPunct="1">
+              <a:lnSpc>
+                <a:spcPct val="100000"/>
+              </a:lnSpc>
+              <a:spcBef>
+                <a:spcPts val="0"/>
+              </a:spcBef>
+              <a:spcAft>
+                <a:spcPts val="0"/>
+              </a:spcAft>
+              <a:buClrTx/>
+              <a:buSzTx/>
+              <a:buFontTx/>
+              <a:buNone/>
+              <a:tabLst/>
+              <a:defRPr/>
+            </a:pPr>
             <a:fld id="{BE0A88F0-556B-4BB7-8AAB-D63AEB65C662}" type="datetime1">
-              <a:rPr lang="en-US" smtClean="0"/>
+              <a:rPr kumimoji="0" lang="en-US" sz="1000" b="0" i="0" u="none" strike="noStrike" kern="1200" cap="all" spc="300" normalizeH="0" baseline="0" noProof="0">
+                <a:ln>
+                  <a:noFill/>
+                </a:ln>
+                <a:solidFill>
+                  <a:srgbClr val="ED625F"/>
+                </a:solidFill>
+                <a:effectLst/>
+                <a:uLnTx/>
+                <a:uFillTx/>
+                <a:latin typeface="Univers Condensed"/>
+                <a:ea typeface="+mn-ea"/>
+                <a:cs typeface="+mn-cs"/>
+              </a:rPr>
+              <a:pPr marL="0" marR="0" lvl="0" indent="0" algn="l" defTabSz="914400" rtl="0" eaLnBrk="1" fontAlgn="auto" latinLnBrk="0" hangingPunct="1">
+                <a:lnSpc>
+                  <a:spcPct val="100000"/>
+                </a:lnSpc>
+                <a:spcBef>
+                  <a:spcPts val="0"/>
+                </a:spcBef>
+                <a:spcAft>
+                  <a:spcPts val="0"/>
+                </a:spcAft>
+                <a:buClrTx/>
+                <a:buSzTx/>
+                <a:buFontTx/>
+                <a:buNone/>
+                <a:tabLst/>
+                <a:defRPr/>
+              </a:pPr>
               <a:t>10/25/2021</a:t>
             </a:fld>
-            <a:endParaRPr lang="en-US"/>
+            <a:endParaRPr kumimoji="0" lang="en-US" sz="1000" b="0" i="0" u="none" strike="noStrike" kern="1200" cap="all" spc="300" normalizeH="0" baseline="0" noProof="0" dirty="0">
+              <a:ln>
+                <a:noFill/>
+              </a:ln>
+              <a:solidFill>
+                <a:srgbClr val="ED625F"/>
+              </a:solidFill>
+              <a:effectLst/>
+              <a:uLnTx/>
+              <a:uFillTx/>
+              <a:latin typeface="Univers Condensed"/>
+              <a:ea typeface="+mn-ea"/>
+              <a:cs typeface="+mn-cs"/>
+            </a:endParaRPr>
           </a:p>
         </p:txBody>
       </p:sp>
@@ -5231,25 +5293,73 @@
           <a:bodyPr/>
           <a:lstStyle/>
           <a:p>
-            <a:r>
-              <a:rPr lang="en-US" dirty="0" err="1"/>
-              <a:t>Toshi</a:t>
-            </a:r>
-            <a:r>
-              <a:rPr lang="en-US" dirty="0"/>
-              <a:t> </a:t>
-            </a:r>
-            <a:r>
-              <a:rPr lang="en-US" dirty="0" err="1"/>
-              <a:t>Torihara</a:t>
-            </a:r>
-            <a:r>
-              <a:rPr lang="en-US" dirty="0"/>
-              <a:t>, Everett Waterman, Charissa Hoxie, and Michael Farm</a:t>
-            </a:r>
-          </a:p>
-          <a:p>
-            <a:endParaRPr lang="en-US" dirty="0"/>
+            <a:pPr marL="0" marR="0" lvl="0" indent="0" algn="l" defTabSz="914400" rtl="0" eaLnBrk="1" fontAlgn="auto" latinLnBrk="0" hangingPunct="1">
+              <a:lnSpc>
+                <a:spcPct val="100000"/>
+              </a:lnSpc>
+              <a:spcBef>
+                <a:spcPts val="0"/>
+              </a:spcBef>
+              <a:spcAft>
+                <a:spcPts val="0"/>
+              </a:spcAft>
+              <a:buClrTx/>
+              <a:buSzTx/>
+              <a:buFontTx/>
+              <a:buNone/>
+              <a:tabLst/>
+              <a:defRPr/>
+            </a:pPr>
+            <a:r>
+              <a:rPr kumimoji="0" lang="en-US" sz="1050" b="1" i="0" u="none" strike="noStrike" kern="1200" cap="all" spc="300" normalizeH="0" baseline="0" noProof="0" dirty="0">
+                <a:ln>
+                  <a:noFill/>
+                </a:ln>
+                <a:solidFill>
+                  <a:srgbClr val="ED625F"/>
+                </a:solidFill>
+                <a:effectLst/>
+                <a:uLnTx/>
+                <a:uFillTx/>
+                <a:latin typeface="Univers Condensed"/>
+                <a:ea typeface="+mn-ea"/>
+                <a:cs typeface="+mn-cs"/>
+              </a:rPr>
+              <a:t>Toshi Torihara, Everett Waterman, Charissa Hoxie, and Michael Farm</a:t>
+            </a:r>
+          </a:p>
+          <a:p>
+            <a:pPr marL="0" marR="0" lvl="0" indent="0" algn="l" defTabSz="914400" rtl="0" eaLnBrk="1" fontAlgn="auto" latinLnBrk="0" hangingPunct="1">
+              <a:lnSpc>
+                <a:spcPct val="100000"/>
+              </a:lnSpc>
+              <a:spcBef>
+                <a:spcPts val="0"/>
+              </a:spcBef>
+              <a:spcAft>
+                <a:spcPts val="0"/>
+              </a:spcAft>
+              <a:buClrTx/>
+              <a:buSzTx/>
+              <a:buFontTx/>
+              <a:buNone/>
+              <a:tabLst/>
+              <a:defRPr/>
+            </a:pPr>
+            <a:endParaRPr kumimoji="0" lang="en-US" sz="1050" b="1" i="0" u="none" strike="noStrike" kern="1200" cap="all" spc="300" normalizeH="0" baseline="0" noProof="0" dirty="0">
+              <a:ln>
+                <a:noFill/>
+              </a:ln>
+              <a:solidFill>
+                <a:srgbClr val="ED625F"/>
+              </a:solidFill>
+              <a:effectLst/>
+              <a:uLnTx/>
+              <a:uFillTx/>
+              <a:latin typeface="Univers Condensed"/>
+              <a:ea typeface="+mn-ea"/>
+              <a:cs typeface="+mn-cs"/>
+            </a:endParaRPr>
           </a:p>
         </p:txBody>
       </p:sp>
@@ -5274,20 +5384,80 @@
           <a:bodyPr/>
           <a:lstStyle/>
           <a:p>
+            <a:pPr marL="0" marR="0" lvl="0" indent="0" algn="ctr" defTabSz="914400" rtl="0" eaLnBrk="1" fontAlgn="auto" latinLnBrk="0" hangingPunct="1">
+              <a:lnSpc>
+                <a:spcPct val="100000"/>
+              </a:lnSpc>
+              <a:spcBef>
+                <a:spcPts val="0"/>
+              </a:spcBef>
+              <a:spcAft>
+                <a:spcPts val="0"/>
+              </a:spcAft>
+              <a:buClrTx/>
+              <a:buSzTx/>
+              <a:buFontTx/>
+              <a:buNone/>
+              <a:tabLst/>
+              <a:defRPr/>
+            </a:pPr>
             <a:fld id="{81D2C36F-4504-47C0-B82F-A167342A2754}" type="slidenum">
-              <a:rPr lang="en-US" smtClean="0"/>
+              <a:rPr kumimoji="0" lang="en-US" sz="3600" b="1" i="0" u="none" strike="noStrike" kern="1200" cap="none" spc="0" normalizeH="0" baseline="0" noProof="0" smtClean="0">
+                <a:ln>
+                  <a:noFill/>
+                </a:ln>
+                <a:solidFill>
+                  <a:srgbClr val="ED625F"/>
+                </a:solidFill>
+                <a:effectLst/>
+                <a:uLnTx/>
+                <a:uFillTx/>
+                <a:latin typeface="Univers Condensed"/>
+                <a:ea typeface="+mn-ea"/>
+                <a:cs typeface="+mn-cs"/>
+              </a:rPr>
+              <a:pPr marL="0" marR="0" lvl="0" indent="0" algn="ctr" defTabSz="914400" rtl="0" eaLnBrk="1" fontAlgn="auto" latinLnBrk="0" hangingPunct="1">
+                <a:lnSpc>
+                  <a:spcPct val="100000"/>
+                </a:lnSpc>
+                <a:spcBef>
+                  <a:spcPts val="0"/>
+                </a:spcBef>
+                <a:spcAft>
+                  <a:spcPts val="0"/>
+                </a:spcAft>
+                <a:buClrTx/>
+                <a:buSzTx/>
+                <a:buFontTx/>
+                <a:buNone/>
+                <a:tabLst/>
+                <a:defRPr/>
+              </a:pPr>
               <a:t>4</a:t>
             </a:fld>
-            <a:endParaRPr lang="en-US"/>
+            <a:endParaRPr kumimoji="0" lang="en-US" sz="3600" b="1" i="0" u="none" strike="noStrike" kern="1200" cap="none" spc="0" normalizeH="0" baseline="0" noProof="0">
+              <a:ln>
+                <a:noFill/>
+              </a:ln>
+              <a:solidFill>
+                <a:srgbClr val="ED625F"/>
+              </a:solidFill>
+              <a:effectLst/>
+              <a:uLnTx/>
+              <a:uFillTx/>
+              <a:latin typeface="Univers Condensed"/>
+              <a:ea typeface="+mn-ea"/>
+              <a:cs typeface="+mn-cs"/>
+            </a:endParaRPr>
           </a:p>
         </p:txBody>
       </p:sp>
       <p:pic>
         <p:nvPicPr>
-          <p:cNvPr id="8" name="Picture 7">
-            <a:extLst>
-              <a:ext uri="{FF2B5EF4-FFF2-40B4-BE49-F238E27FC236}">
-                <a16:creationId xmlns:a16="http://schemas.microsoft.com/office/drawing/2014/main" id="{31DEE2C2-C136-4767-8DE0-9CECED4204B2}"/>
+          <p:cNvPr id="7" name="Picture 6">
+            <a:extLst>
+              <a:ext uri="{FF2B5EF4-FFF2-40B4-BE49-F238E27FC236}">
+                <a16:creationId xmlns:a16="http://schemas.microsoft.com/office/drawing/2014/main" id="{3B4A8F3B-E255-498F-91F8-7878F17A00A0}"/>
               </a:ext>
             </a:extLst>
           </p:cNvPr>
@@ -5304,18 +5474,444 @@
         </p:blipFill>
         <p:spPr>
           <a:xfrm>
-            <a:off x="628652" y="2018608"/>
-            <a:ext cx="9068972" cy="2371271"/>
+            <a:off x="473073" y="1973006"/>
+            <a:ext cx="4446469" cy="2229342"/>
           </a:xfrm>
           <a:prstGeom prst="rect">
             <a:avLst/>
           </a:prstGeom>
         </p:spPr>
       </p:pic>
+      <p:pic>
+        <p:nvPicPr>
+          <p:cNvPr id="10" name="Picture 9">
+            <a:extLst>
+              <a:ext uri="{FF2B5EF4-FFF2-40B4-BE49-F238E27FC236}">
+                <a16:creationId xmlns:a16="http://schemas.microsoft.com/office/drawing/2014/main" id="{362A52C1-54D6-4A77-9CBE-064DB5910B5D}"/>
+              </a:ext>
+            </a:extLst>
+          </p:cNvPr>
+          <p:cNvPicPr>
+            <a:picLocks noChangeAspect="1"/>
+          </p:cNvPicPr>
+          <p:nvPr/>
+        </p:nvPicPr>
+        <p:blipFill>
+          <a:blip r:embed="rId3"/>
+          <a:stretch>
+            <a:fillRect/>
+          </a:stretch>
+        </p:blipFill>
+        <p:spPr>
+          <a:xfrm>
+            <a:off x="8491371" y="1973006"/>
+            <a:ext cx="2110345" cy="4017772"/>
+          </a:xfrm>
+          <a:prstGeom prst="rect">
+            <a:avLst/>
+          </a:prstGeom>
+        </p:spPr>
+      </p:pic>
+      <p:sp>
+        <p:nvSpPr>
+          <p:cNvPr id="11" name="TextBox 10">
+            <a:extLst>
+              <a:ext uri="{FF2B5EF4-FFF2-40B4-BE49-F238E27FC236}">
+                <a16:creationId xmlns:a16="http://schemas.microsoft.com/office/drawing/2014/main" id="{C878D4BA-2A33-45AE-8C1C-9F47832CEB0B}"/>
+              </a:ext>
+            </a:extLst>
+          </p:cNvPr>
+          <p:cNvSpPr txBox="1"/>
+          <p:nvPr/>
+        </p:nvSpPr>
+        <p:spPr>
+          <a:xfrm>
+            <a:off x="4919541" y="2110902"/>
+            <a:ext cx="3571829" cy="2800767"/>
+          </a:xfrm>
+          <a:prstGeom prst="rect">
+            <a:avLst/>
+          </a:prstGeom>
+          <a:noFill/>
+        </p:spPr>
+        <p:txBody>
+          <a:bodyPr wrap="square" rtlCol="0">
+            <a:spAutoFit/>
+          </a:bodyPr>
+          <a:lstStyle/>
+          <a:p>
+            <a:pPr marL="285750" marR="0" lvl="0" indent="-285750" algn="l" defTabSz="914400" rtl="0" eaLnBrk="1" fontAlgn="auto" latinLnBrk="0" hangingPunct="1">
+              <a:lnSpc>
+                <a:spcPct val="100000"/>
+              </a:lnSpc>
+              <a:spcBef>
+                <a:spcPts val="0"/>
+              </a:spcBef>
+              <a:spcAft>
+                <a:spcPts val="0"/>
+              </a:spcAft>
+              <a:buClrTx/>
+              <a:buSzTx/>
+              <a:buFont typeface="Arial" panose="020B0604020202020204" pitchFamily="34" charset="0"/>
+              <a:buChar char="•"/>
+              <a:tabLst/>
+              <a:defRPr/>
+            </a:pPr>
+            <a:r>
+              <a:rPr kumimoji="0" lang="en-US" sz="1600" b="0" i="0" u="none" strike="noStrike" kern="1200" cap="none" spc="0" normalizeH="0" baseline="0" noProof="0" dirty="0">
+                <a:ln>
+                  <a:noFill/>
+                </a:ln>
+                <a:solidFill>
+                  <a:srgbClr val="ED625F"/>
+                </a:solidFill>
+                <a:effectLst/>
+                <a:uLnTx/>
+                <a:uFillTx/>
+                <a:latin typeface="Univers Condensed"/>
+                <a:ea typeface="+mn-ea"/>
+                <a:cs typeface="+mn-cs"/>
+              </a:rPr>
+              <a:t>The target variable of the model was the column ‘Target’; [0]: Malignant, [1]: Benign.</a:t>
+            </a:r>
+          </a:p>
+          <a:p>
+            <a:pPr marL="285750" marR="0" lvl="0" indent="-285750" algn="l" defTabSz="914400" rtl="0" eaLnBrk="1" fontAlgn="auto" latinLnBrk="0" hangingPunct="1">
+              <a:lnSpc>
+                <a:spcPct val="100000"/>
+              </a:lnSpc>
+              <a:spcBef>
+                <a:spcPts val="0"/>
+              </a:spcBef>
+              <a:spcAft>
+                <a:spcPts val="0"/>
+              </a:spcAft>
+              <a:buClrTx/>
+              <a:buSzTx/>
+              <a:buFont typeface="Arial" panose="020B0604020202020204" pitchFamily="34" charset="0"/>
+              <a:buChar char="•"/>
+              <a:tabLst/>
+              <a:defRPr/>
+            </a:pPr>
+            <a:endParaRPr kumimoji="0" lang="en-US" sz="1600" b="0" i="0" u="none" strike="noStrike" kern="1200" cap="none" spc="0" normalizeH="0" baseline="0" noProof="0" dirty="0">
+              <a:ln>
+                <a:noFill/>
+              </a:ln>
+              <a:solidFill>
+                <a:srgbClr val="ED625F"/>
+              </a:solidFill>
+              <a:effectLst/>
+              <a:uLnTx/>
+              <a:uFillTx/>
+              <a:latin typeface="Univers Condensed"/>
+              <a:ea typeface="+mn-ea"/>
+              <a:cs typeface="+mn-cs"/>
+            </a:endParaRPr>
+          </a:p>
+          <a:p>
+            <a:pPr marL="285750" marR="0" lvl="0" indent="-285750" algn="l" defTabSz="914400" rtl="0" eaLnBrk="1" fontAlgn="auto" latinLnBrk="0" hangingPunct="1">
+              <a:lnSpc>
+                <a:spcPct val="100000"/>
+              </a:lnSpc>
+              <a:spcBef>
+                <a:spcPts val="0"/>
+              </a:spcBef>
+              <a:spcAft>
+                <a:spcPts val="0"/>
+              </a:spcAft>
+              <a:buClrTx/>
+              <a:buSzTx/>
+              <a:buFont typeface="Arial" panose="020B0604020202020204" pitchFamily="34" charset="0"/>
+              <a:buChar char="•"/>
+              <a:tabLst/>
+              <a:defRPr/>
+            </a:pPr>
+            <a:r>
+              <a:rPr kumimoji="0" lang="en-US" sz="1600" b="0" i="0" u="none" strike="noStrike" kern="1200" cap="none" spc="0" normalizeH="0" baseline="0" noProof="0" dirty="0">
+                <a:ln>
+                  <a:noFill/>
+                </a:ln>
+                <a:solidFill>
+                  <a:srgbClr val="ED625F"/>
+                </a:solidFill>
+                <a:effectLst/>
+                <a:uLnTx/>
+                <a:uFillTx/>
+                <a:latin typeface="Univers Condensed"/>
+                <a:ea typeface="+mn-ea"/>
+                <a:cs typeface="+mn-cs"/>
+              </a:rPr>
+              <a:t>3 (Mean, Error, Worst) sets of 10 features were used in the models.</a:t>
+            </a:r>
+          </a:p>
+          <a:p>
+            <a:pPr marL="285750" marR="0" lvl="0" indent="-285750" algn="l" defTabSz="914400" rtl="0" eaLnBrk="1" fontAlgn="auto" latinLnBrk="0" hangingPunct="1">
+              <a:lnSpc>
+                <a:spcPct val="100000"/>
+              </a:lnSpc>
+              <a:spcBef>
+                <a:spcPts val="0"/>
+              </a:spcBef>
+              <a:spcAft>
+                <a:spcPts val="0"/>
+              </a:spcAft>
+              <a:buClrTx/>
+              <a:buSzTx/>
+              <a:buFont typeface="Arial" panose="020B0604020202020204" pitchFamily="34" charset="0"/>
+              <a:buChar char="•"/>
+              <a:tabLst/>
+              <a:defRPr/>
+            </a:pPr>
+            <a:endParaRPr kumimoji="0" lang="en-US" sz="1600" b="0" i="0" u="none" strike="noStrike" kern="1200" cap="none" spc="0" normalizeH="0" baseline="0" noProof="0" dirty="0">
+              <a:ln>
+                <a:noFill/>
+              </a:ln>
+              <a:solidFill>
+                <a:srgbClr val="ED625F"/>
+              </a:solidFill>
+              <a:effectLst/>
+              <a:uLnTx/>
+              <a:uFillTx/>
+              <a:latin typeface="Univers Condensed"/>
+              <a:ea typeface="+mn-ea"/>
+              <a:cs typeface="+mn-cs"/>
+            </a:endParaRPr>
+          </a:p>
+          <a:p>
+            <a:pPr marL="285750" marR="0" lvl="0" indent="-285750" algn="l" defTabSz="914400" rtl="0" eaLnBrk="1" fontAlgn="auto" latinLnBrk="0" hangingPunct="1">
+              <a:lnSpc>
+                <a:spcPct val="100000"/>
+              </a:lnSpc>
+              <a:spcBef>
+                <a:spcPts val="0"/>
+              </a:spcBef>
+              <a:spcAft>
+                <a:spcPts val="0"/>
+              </a:spcAft>
+              <a:buClrTx/>
+              <a:buSzTx/>
+              <a:buFont typeface="Arial" panose="020B0604020202020204" pitchFamily="34" charset="0"/>
+              <a:buChar char="•"/>
+              <a:tabLst/>
+              <a:defRPr/>
+            </a:pPr>
+            <a:r>
+              <a:rPr kumimoji="0" lang="en-US" sz="1600" b="0" i="0" u="none" strike="noStrike" kern="1200" cap="none" spc="0" normalizeH="0" baseline="0" noProof="0" dirty="0">
+                <a:ln>
+                  <a:noFill/>
+                </a:ln>
+                <a:solidFill>
+                  <a:srgbClr val="ED625F"/>
+                </a:solidFill>
+                <a:effectLst/>
+                <a:uLnTx/>
+                <a:uFillTx/>
+                <a:latin typeface="Univers Condensed"/>
+                <a:ea typeface="+mn-ea"/>
+                <a:cs typeface="+mn-cs"/>
+              </a:rPr>
+              <a:t>The features were renamed to replace the space for an underscore to easily translate into a SQL Database.</a:t>
+            </a:r>
+          </a:p>
+        </p:txBody>
+      </p:sp>
+      <p:cxnSp>
+        <p:nvCxnSpPr>
+          <p:cNvPr id="13" name="Connector: Elbow 12">
+            <a:extLst>
+              <a:ext uri="{FF2B5EF4-FFF2-40B4-BE49-F238E27FC236}">
+                <a16:creationId xmlns:a16="http://schemas.microsoft.com/office/drawing/2014/main" id="{2FFE9FEC-6CFC-4FEE-8D66-469D01EC9464}"/>
+              </a:ext>
+            </a:extLst>
+          </p:cNvPr>
+          <p:cNvCxnSpPr>
+            <a:stCxn id="7" idx="2"/>
+          </p:cNvCxnSpPr>
+          <p:nvPr/>
+        </p:nvCxnSpPr>
+        <p:spPr>
+          <a:xfrm rot="16200000" flipH="1">
+            <a:off x="5208291" y="1690365"/>
+            <a:ext cx="771096" cy="5795062"/>
+          </a:xfrm>
+          <a:prstGeom prst="bentConnector2">
+            <a:avLst/>
+          </a:prstGeom>
+          <a:ln w="38100">
+            <a:headEnd type="triangle"/>
+            <a:tailEnd type="triangle"/>
+          </a:ln>
+        </p:spPr>
+        <p:style>
+          <a:lnRef idx="1">
+            <a:schemeClr val="accent1"/>
+          </a:lnRef>
+          <a:fillRef idx="0">
+            <a:schemeClr val="accent1"/>
+          </a:fillRef>
+          <a:effectRef idx="0">
+            <a:schemeClr val="accent1"/>
+          </a:effectRef>
+          <a:fontRef idx="minor">
+            <a:schemeClr val="tx1"/>
+          </a:fontRef>
+        </p:style>
+      </p:cxnSp>
+      <p:sp>
+        <p:nvSpPr>
+          <p:cNvPr id="14" name="TextBox 13">
+            <a:extLst>
+              <a:ext uri="{FF2B5EF4-FFF2-40B4-BE49-F238E27FC236}">
+                <a16:creationId xmlns:a16="http://schemas.microsoft.com/office/drawing/2014/main" id="{70E8F0F0-4963-4A5E-A804-17D86F1F1CD0}"/>
+              </a:ext>
+            </a:extLst>
+          </p:cNvPr>
+          <p:cNvSpPr txBox="1"/>
+          <p:nvPr/>
+        </p:nvSpPr>
+        <p:spPr>
+          <a:xfrm>
+            <a:off x="3493269" y="5082001"/>
+            <a:ext cx="4201140" cy="400110"/>
+          </a:xfrm>
+          <a:prstGeom prst="rect">
+            <a:avLst/>
+          </a:prstGeom>
+          <a:noFill/>
+        </p:spPr>
+        <p:txBody>
+          <a:bodyPr wrap="square" rtlCol="0">
+            <a:spAutoFit/>
+          </a:bodyPr>
+          <a:lstStyle/>
+          <a:p>
+            <a:pPr marL="0" marR="0" lvl="0" indent="0" algn="ctr" defTabSz="914400" rtl="0" eaLnBrk="1" fontAlgn="auto" latinLnBrk="0" hangingPunct="1">
+              <a:lnSpc>
+                <a:spcPct val="100000"/>
+              </a:lnSpc>
+              <a:spcBef>
+                <a:spcPts val="0"/>
+              </a:spcBef>
+              <a:spcAft>
+                <a:spcPts val="0"/>
+              </a:spcAft>
+              <a:buClrTx/>
+              <a:buSzTx/>
+              <a:buFontTx/>
+              <a:buNone/>
+              <a:tabLst/>
+              <a:defRPr/>
+            </a:pPr>
+            <a:r>
+              <a:rPr kumimoji="0" lang="en-US" sz="1800" b="0" i="0" u="none" strike="noStrike" kern="1200" cap="none" spc="0" normalizeH="0" baseline="0" noProof="0" dirty="0">
+                <a:ln>
+                  <a:noFill/>
+                </a:ln>
+                <a:solidFill>
+                  <a:srgbClr val="ED625F"/>
+                </a:solidFill>
+                <a:effectLst/>
+                <a:uLnTx/>
+                <a:uFillTx/>
+                <a:latin typeface="Univers Condensed"/>
+                <a:ea typeface="+mn-ea"/>
+                <a:cs typeface="+mn-cs"/>
+              </a:rPr>
+              <a:t>Python Pandas </a:t>
+            </a:r>
+            <a:r>
+              <a:rPr kumimoji="0" lang="en-US" sz="1800" b="0" i="0" u="none" strike="noStrike" kern="1200" cap="none" spc="0" normalizeH="0" baseline="0" noProof="0" dirty="0">
+                <a:ln>
+                  <a:noFill/>
+                </a:ln>
+                <a:solidFill>
+                  <a:srgbClr val="ED625F"/>
+                </a:solidFill>
+                <a:effectLst/>
+                <a:uLnTx/>
+                <a:uFillTx/>
+                <a:latin typeface="Univers Condensed"/>
+                <a:ea typeface="+mn-ea"/>
+                <a:cs typeface="+mn-cs"/>
+                <a:sym typeface="Wingdings" panose="05000000000000000000" pitchFamily="2" charset="2"/>
+              </a:rPr>
+              <a:t> SQL</a:t>
+            </a:r>
+            <a:r>
+              <a:rPr kumimoji="0" lang="en-US" sz="2000" b="0" i="0" u="none" strike="noStrike" kern="1200" cap="none" spc="0" normalizeH="0" baseline="0" noProof="0" dirty="0">
+                <a:ln>
+                  <a:noFill/>
+                </a:ln>
+                <a:solidFill>
+                  <a:prstClr val="black"/>
+                </a:solidFill>
+                <a:effectLst/>
+                <a:uLnTx/>
+                <a:uFillTx/>
+                <a:latin typeface="Univers Condensed"/>
+                <a:ea typeface="+mn-ea"/>
+                <a:cs typeface="+mn-cs"/>
+                <a:sym typeface="Wingdings" panose="05000000000000000000" pitchFamily="2" charset="2"/>
+              </a:rPr>
+              <a:t> </a:t>
+            </a:r>
+            <a:r>
+              <a:rPr kumimoji="0" lang="en-US" sz="1800" b="0" i="0" u="none" strike="noStrike" kern="1200" cap="none" spc="0" normalizeH="0" baseline="0" noProof="0" dirty="0">
+                <a:ln>
+                  <a:noFill/>
+                </a:ln>
+                <a:solidFill>
+                  <a:srgbClr val="ED625F"/>
+                </a:solidFill>
+                <a:effectLst/>
+                <a:uLnTx/>
+                <a:uFillTx/>
+                <a:latin typeface="Univers Condensed"/>
+                <a:ea typeface="+mn-ea"/>
+                <a:cs typeface="+mn-cs"/>
+                <a:sym typeface="Wingdings" panose="05000000000000000000" pitchFamily="2" charset="2"/>
+              </a:rPr>
+              <a:t>Database</a:t>
+            </a:r>
+            <a:r>
+              <a:rPr kumimoji="0" lang="en-US" sz="2000" b="0" i="0" u="none" strike="noStrike" kern="1200" cap="none" spc="0" normalizeH="0" baseline="0" noProof="0" dirty="0">
+                <a:ln>
+                  <a:noFill/>
+                </a:ln>
+                <a:solidFill>
+                  <a:prstClr val="black"/>
+                </a:solidFill>
+                <a:effectLst/>
+                <a:uLnTx/>
+                <a:uFillTx/>
+                <a:latin typeface="Univers Condensed"/>
+                <a:ea typeface="+mn-ea"/>
+                <a:cs typeface="+mn-cs"/>
+                <a:sym typeface="Wingdings" panose="05000000000000000000" pitchFamily="2" charset="2"/>
+              </a:rPr>
+              <a:t> </a:t>
+            </a:r>
+            <a:endParaRPr kumimoji="0" lang="en-US" sz="2000" b="0" i="0" u="none" strike="noStrike" kern="1200" cap="none" spc="0" normalizeH="0" baseline="0" noProof="0" dirty="0">
+              <a:ln>
+                <a:noFill/>
+              </a:ln>
+              <a:solidFill>
+                <a:prstClr val="black"/>
+              </a:solidFill>
+              <a:effectLst/>
+              <a:uLnTx/>
+              <a:uFillTx/>
+              <a:latin typeface="Univers Condensed"/>
+              <a:ea typeface="+mn-ea"/>
+              <a:cs typeface="+mn-cs"/>
+            </a:endParaRPr>
+          </a:p>
+        </p:txBody>
+      </p:sp>
     </p:spTree>
     <p:extLst>
       <p:ext uri="{BB962C8B-B14F-4D97-AF65-F5344CB8AC3E}">
-        <p14:creationId xmlns:p14="http://schemas.microsoft.com/office/powerpoint/2010/main" val="2172827384"/>
+        <p14:creationId xmlns:p14="http://schemas.microsoft.com/office/powerpoint/2010/main" val="47950701"/>
       </p:ext>
     </p:extLst>
   </p:cSld>
@@ -5509,7 +6105,7 @@
           <p:cNvPr id="2" name="Title 1">
             <a:extLst>
               <a:ext uri="{FF2B5EF4-FFF2-40B4-BE49-F238E27FC236}">
-                <a16:creationId xmlns:a16="http://schemas.microsoft.com/office/drawing/2014/main" id="{94BE5D31-3CC7-47FB-B107-6C55F09ED578}"/>
+                <a16:creationId xmlns:a16="http://schemas.microsoft.com/office/drawing/2014/main" id="{7F42AF20-BE6C-4E90-8C0A-3DA11F27AF76}"/>
               </a:ext>
             </a:extLst>
           </p:cNvPr>
@@ -5529,33 +6125,9 @@
           <a:p>
             <a:r>
               <a:rPr lang="en-US" sz="2800" dirty="0"/>
-              <a:t>Optimizing the Model</a:t>
-            </a:r>
-          </a:p>
-        </p:txBody>
-      </p:sp>
-      <p:sp>
-        <p:nvSpPr>
-          <p:cNvPr id="3" name="Content Placeholder 2">
-            <a:extLst>
-              <a:ext uri="{FF2B5EF4-FFF2-40B4-BE49-F238E27FC236}">
-                <a16:creationId xmlns:a16="http://schemas.microsoft.com/office/drawing/2014/main" id="{04875000-5DD0-4989-99FF-7E758F09D57B}"/>
-              </a:ext>
-            </a:extLst>
-          </p:cNvPr>
-          <p:cNvSpPr>
-            <a:spLocks noGrp="1"/>
-          </p:cNvSpPr>
-          <p:nvPr>
-            <p:ph idx="1"/>
-          </p:nvPr>
-        </p:nvSpPr>
-        <p:spPr/>
-        <p:txBody>
-          <a:bodyPr/>
-          <a:lstStyle/>
-          <a:p>
-            <a:endParaRPr lang="en-US"/>
+              <a:t>Compiling, Training, and Evaluating the Model</a:t>
+            </a:r>
+            <a:endParaRPr lang="en-US" sz="3600" dirty="0"/>
           </a:p>
         </p:txBody>
       </p:sp>
@@ -5564,7 +6136,7 @@
           <p:cNvPr id="4" name="Date Placeholder 3">
             <a:extLst>
               <a:ext uri="{FF2B5EF4-FFF2-40B4-BE49-F238E27FC236}">
-                <a16:creationId xmlns:a16="http://schemas.microsoft.com/office/drawing/2014/main" id="{5B9B5A71-5C50-4A97-93D8-967E12A2E22A}"/>
+                <a16:creationId xmlns:a16="http://schemas.microsoft.com/office/drawing/2014/main" id="{42E0FCD8-F7E2-45E0-BED5-0068F91D554A}"/>
               </a:ext>
             </a:extLst>
           </p:cNvPr>
@@ -5593,7 +6165,7 @@
           <p:cNvPr id="5" name="Footer Placeholder 4">
             <a:extLst>
               <a:ext uri="{FF2B5EF4-FFF2-40B4-BE49-F238E27FC236}">
-                <a16:creationId xmlns:a16="http://schemas.microsoft.com/office/drawing/2014/main" id="{7E280D93-75DE-444B-AA63-FA714F9B1726}"/>
+                <a16:creationId xmlns:a16="http://schemas.microsoft.com/office/drawing/2014/main" id="{23E8EC2B-D9FA-4177-9748-B38F7A73E5E4}"/>
               </a:ext>
             </a:extLst>
           </p:cNvPr>
@@ -5636,7 +6208,7 @@
           <p:cNvPr id="6" name="Slide Number Placeholder 5">
             <a:extLst>
               <a:ext uri="{FF2B5EF4-FFF2-40B4-BE49-F238E27FC236}">
-                <a16:creationId xmlns:a16="http://schemas.microsoft.com/office/drawing/2014/main" id="{C22125E5-2583-463C-B946-7CE2ECD448DC}"/>
+                <a16:creationId xmlns:a16="http://schemas.microsoft.com/office/drawing/2014/main" id="{F9FCF8DA-6708-4A3B-81D4-2F493A9E1B1D}"/>
               </a:ext>
             </a:extLst>
           </p:cNvPr>
@@ -5663,7 +6235,7 @@
     </p:spTree>
     <p:extLst>
       <p:ext uri="{BB962C8B-B14F-4D97-AF65-F5344CB8AC3E}">
-        <p14:creationId xmlns:p14="http://schemas.microsoft.com/office/powerpoint/2010/main" val="1454893401"/>
+        <p14:creationId xmlns:p14="http://schemas.microsoft.com/office/powerpoint/2010/main" val="2501676307"/>
       </p:ext>
     </p:extLst>
   </p:cSld>
@@ -5695,7 +6267,7 @@
           <p:cNvPr id="2" name="Title 1">
             <a:extLst>
               <a:ext uri="{FF2B5EF4-FFF2-40B4-BE49-F238E27FC236}">
-                <a16:creationId xmlns:a16="http://schemas.microsoft.com/office/drawing/2014/main" id="{12236438-566A-4755-9E3E-8DE90C4C9B3F}"/>
+                <a16:creationId xmlns:a16="http://schemas.microsoft.com/office/drawing/2014/main" id="{7F42AF20-BE6C-4E90-8C0A-3DA11F27AF76}"/>
               </a:ext>
             </a:extLst>
           </p:cNvPr>
@@ -5708,14 +6280,16 @@
         </p:nvSpPr>
         <p:spPr/>
         <p:txBody>
-          <a:bodyPr/>
+          <a:bodyPr>
+            <a:normAutofit/>
+          </a:bodyPr>
           <a:lstStyle/>
           <a:p>
             <a:r>
               <a:rPr lang="en-US" sz="2800" dirty="0"/>
-              <a:t>Results</a:t>
-            </a:r>
-            <a:endParaRPr lang="en-US" dirty="0"/>
+              <a:t>Compiling, Training, and Evaluating the Model</a:t>
+            </a:r>
+            <a:endParaRPr lang="en-US" sz="3600" dirty="0"/>
           </a:p>
         </p:txBody>
       </p:sp>
@@ -5724,7 +6298,7 @@
           <p:cNvPr id="4" name="Date Placeholder 3">
             <a:extLst>
               <a:ext uri="{FF2B5EF4-FFF2-40B4-BE49-F238E27FC236}">
-                <a16:creationId xmlns:a16="http://schemas.microsoft.com/office/drawing/2014/main" id="{53B6460D-6158-4E76-879F-B01B76DEB296}"/>
+                <a16:creationId xmlns:a16="http://schemas.microsoft.com/office/drawing/2014/main" id="{42E0FCD8-F7E2-45E0-BED5-0068F91D554A}"/>
               </a:ext>
             </a:extLst>
           </p:cNvPr>
@@ -5753,7 +6327,7 @@
           <p:cNvPr id="5" name="Footer Placeholder 4">
             <a:extLst>
               <a:ext uri="{FF2B5EF4-FFF2-40B4-BE49-F238E27FC236}">
-                <a16:creationId xmlns:a16="http://schemas.microsoft.com/office/drawing/2014/main" id="{A92F128C-0FC6-4DE3-849E-0B9C6225AABC}"/>
+                <a16:creationId xmlns:a16="http://schemas.microsoft.com/office/drawing/2014/main" id="{23E8EC2B-D9FA-4177-9748-B38F7A73E5E4}"/>
               </a:ext>
             </a:extLst>
           </p:cNvPr>
@@ -5796,7 +6370,7 @@
           <p:cNvPr id="6" name="Slide Number Placeholder 5">
             <a:extLst>
               <a:ext uri="{FF2B5EF4-FFF2-40B4-BE49-F238E27FC236}">
-                <a16:creationId xmlns:a16="http://schemas.microsoft.com/office/drawing/2014/main" id="{4AAE7A43-2989-4B81-8799-C5C942A40A7D}"/>
+                <a16:creationId xmlns:a16="http://schemas.microsoft.com/office/drawing/2014/main" id="{F9FCF8DA-6708-4A3B-81D4-2F493A9E1B1D}"/>
               </a:ext>
             </a:extLst>
           </p:cNvPr>
@@ -5815,6 +6389,352 @@
             <a:fld id="{81D2C36F-4504-47C0-B82F-A167342A2754}" type="slidenum">
               <a:rPr lang="en-US" smtClean="0"/>
               <a:t>7</a:t>
+            </a:fld>
+            <a:endParaRPr lang="en-US"/>
+          </a:p>
+        </p:txBody>
+      </p:sp>
+    </p:spTree>
+    <p:extLst>
+      <p:ext uri="{BB962C8B-B14F-4D97-AF65-F5344CB8AC3E}">
+        <p14:creationId xmlns:p14="http://schemas.microsoft.com/office/powerpoint/2010/main" val="3066507981"/>
+      </p:ext>
+    </p:extLst>
+  </p:cSld>
+  <p:clrMapOvr>
+    <a:masterClrMapping/>
+  </p:clrMapOvr>
+</p:sld>
+</file>
+
+<file path=ppt/slides/slide8.xml><?xml version="1.0" encoding="utf-8"?>
+<p:sld xmlns:a="http://schemas.openxmlformats.org/drawingml/2006/main" xmlns:r="http://schemas.openxmlformats.org/officeDocument/2006/relationships" xmlns:p="http://schemas.openxmlformats.org/presentationml/2006/main">
+  <p:cSld>
+    <p:spTree>
+      <p:nvGrpSpPr>
+        <p:cNvPr id="1" name=""/>
+        <p:cNvGrpSpPr/>
+        <p:nvPr/>
+      </p:nvGrpSpPr>
+      <p:grpSpPr>
+        <a:xfrm>
+          <a:off x="0" y="0"/>
+          <a:ext cx="0" cy="0"/>
+          <a:chOff x="0" y="0"/>
+          <a:chExt cx="0" cy="0"/>
+        </a:xfrm>
+      </p:grpSpPr>
+      <p:sp>
+        <p:nvSpPr>
+          <p:cNvPr id="2" name="Title 1">
+            <a:extLst>
+              <a:ext uri="{FF2B5EF4-FFF2-40B4-BE49-F238E27FC236}">
+                <a16:creationId xmlns:a16="http://schemas.microsoft.com/office/drawing/2014/main" id="{94BE5D31-3CC7-47FB-B107-6C55F09ED578}"/>
+              </a:ext>
+            </a:extLst>
+          </p:cNvPr>
+          <p:cNvSpPr>
+            <a:spLocks noGrp="1"/>
+          </p:cNvSpPr>
+          <p:nvPr>
+            <p:ph type="title"/>
+          </p:nvPr>
+        </p:nvSpPr>
+        <p:spPr/>
+        <p:txBody>
+          <a:bodyPr>
+            <a:normAutofit/>
+          </a:bodyPr>
+          <a:lstStyle/>
+          <a:p>
+            <a:r>
+              <a:rPr lang="en-US" sz="2800" dirty="0"/>
+              <a:t>Optimizing the Model</a:t>
+            </a:r>
+          </a:p>
+        </p:txBody>
+      </p:sp>
+      <p:sp>
+        <p:nvSpPr>
+          <p:cNvPr id="3" name="Content Placeholder 2">
+            <a:extLst>
+              <a:ext uri="{FF2B5EF4-FFF2-40B4-BE49-F238E27FC236}">
+                <a16:creationId xmlns:a16="http://schemas.microsoft.com/office/drawing/2014/main" id="{04875000-5DD0-4989-99FF-7E758F09D57B}"/>
+              </a:ext>
+            </a:extLst>
+          </p:cNvPr>
+          <p:cNvSpPr>
+            <a:spLocks noGrp="1"/>
+          </p:cNvSpPr>
+          <p:nvPr>
+            <p:ph idx="1"/>
+          </p:nvPr>
+        </p:nvSpPr>
+        <p:spPr/>
+        <p:txBody>
+          <a:bodyPr/>
+          <a:lstStyle/>
+          <a:p>
+            <a:endParaRPr lang="en-US"/>
+          </a:p>
+        </p:txBody>
+      </p:sp>
+      <p:sp>
+        <p:nvSpPr>
+          <p:cNvPr id="4" name="Date Placeholder 3">
+            <a:extLst>
+              <a:ext uri="{FF2B5EF4-FFF2-40B4-BE49-F238E27FC236}">
+                <a16:creationId xmlns:a16="http://schemas.microsoft.com/office/drawing/2014/main" id="{5B9B5A71-5C50-4A97-93D8-967E12A2E22A}"/>
+              </a:ext>
+            </a:extLst>
+          </p:cNvPr>
+          <p:cNvSpPr>
+            <a:spLocks noGrp="1"/>
+          </p:cNvSpPr>
+          <p:nvPr>
+            <p:ph type="dt" sz="half" idx="10"/>
+          </p:nvPr>
+        </p:nvSpPr>
+        <p:spPr/>
+        <p:txBody>
+          <a:bodyPr/>
+          <a:lstStyle/>
+          <a:p>
+            <a:fld id="{BE0A88F0-556B-4BB7-8AAB-D63AEB65C662}" type="datetime1">
+              <a:rPr lang="en-US" smtClean="0"/>
+              <a:t>10/25/2021</a:t>
+            </a:fld>
+            <a:endParaRPr lang="en-US"/>
+          </a:p>
+        </p:txBody>
+      </p:sp>
+      <p:sp>
+        <p:nvSpPr>
+          <p:cNvPr id="5" name="Footer Placeholder 4">
+            <a:extLst>
+              <a:ext uri="{FF2B5EF4-FFF2-40B4-BE49-F238E27FC236}">
+                <a16:creationId xmlns:a16="http://schemas.microsoft.com/office/drawing/2014/main" id="{7E280D93-75DE-444B-AA63-FA714F9B1726}"/>
+              </a:ext>
+            </a:extLst>
+          </p:cNvPr>
+          <p:cNvSpPr>
+            <a:spLocks noGrp="1"/>
+          </p:cNvSpPr>
+          <p:nvPr>
+            <p:ph type="ftr" sz="quarter" idx="11"/>
+          </p:nvPr>
+        </p:nvSpPr>
+        <p:spPr/>
+        <p:txBody>
+          <a:bodyPr/>
+          <a:lstStyle/>
+          <a:p>
+            <a:r>
+              <a:rPr lang="en-US" dirty="0" err="1"/>
+              <a:t>Toshi</a:t>
+            </a:r>
+            <a:r>
+              <a:rPr lang="en-US" dirty="0"/>
+              <a:t> </a:t>
+            </a:r>
+            <a:r>
+              <a:rPr lang="en-US" dirty="0" err="1"/>
+              <a:t>Torihara</a:t>
+            </a:r>
+            <a:r>
+              <a:rPr lang="en-US" dirty="0"/>
+              <a:t>, Everett Waterman, Charissa Hoxie, and Michael Farm</a:t>
+            </a:r>
+          </a:p>
+          <a:p>
+            <a:endParaRPr lang="en-US" dirty="0"/>
+          </a:p>
+        </p:txBody>
+      </p:sp>
+      <p:sp>
+        <p:nvSpPr>
+          <p:cNvPr id="6" name="Slide Number Placeholder 5">
+            <a:extLst>
+              <a:ext uri="{FF2B5EF4-FFF2-40B4-BE49-F238E27FC236}">
+                <a16:creationId xmlns:a16="http://schemas.microsoft.com/office/drawing/2014/main" id="{C22125E5-2583-463C-B946-7CE2ECD448DC}"/>
+              </a:ext>
+            </a:extLst>
+          </p:cNvPr>
+          <p:cNvSpPr>
+            <a:spLocks noGrp="1"/>
+          </p:cNvSpPr>
+          <p:nvPr>
+            <p:ph type="sldNum" sz="quarter" idx="12"/>
+          </p:nvPr>
+        </p:nvSpPr>
+        <p:spPr/>
+        <p:txBody>
+          <a:bodyPr/>
+          <a:lstStyle/>
+          <a:p>
+            <a:fld id="{81D2C36F-4504-47C0-B82F-A167342A2754}" type="slidenum">
+              <a:rPr lang="en-US" smtClean="0"/>
+              <a:t>8</a:t>
+            </a:fld>
+            <a:endParaRPr lang="en-US"/>
+          </a:p>
+        </p:txBody>
+      </p:sp>
+    </p:spTree>
+    <p:extLst>
+      <p:ext uri="{BB962C8B-B14F-4D97-AF65-F5344CB8AC3E}">
+        <p14:creationId xmlns:p14="http://schemas.microsoft.com/office/powerpoint/2010/main" val="1454893401"/>
+      </p:ext>
+    </p:extLst>
+  </p:cSld>
+  <p:clrMapOvr>
+    <a:masterClrMapping/>
+  </p:clrMapOvr>
+</p:sld>
+</file>
+
+<file path=ppt/slides/slide9.xml><?xml version="1.0" encoding="utf-8"?>
+<p:sld xmlns:a="http://schemas.openxmlformats.org/drawingml/2006/main" xmlns:r="http://schemas.openxmlformats.org/officeDocument/2006/relationships" xmlns:p="http://schemas.openxmlformats.org/presentationml/2006/main">
+  <p:cSld>
+    <p:spTree>
+      <p:nvGrpSpPr>
+        <p:cNvPr id="1" name=""/>
+        <p:cNvGrpSpPr/>
+        <p:nvPr/>
+      </p:nvGrpSpPr>
+      <p:grpSpPr>
+        <a:xfrm>
+          <a:off x="0" y="0"/>
+          <a:ext cx="0" cy="0"/>
+          <a:chOff x="0" y="0"/>
+          <a:chExt cx="0" cy="0"/>
+        </a:xfrm>
+      </p:grpSpPr>
+      <p:sp>
+        <p:nvSpPr>
+          <p:cNvPr id="2" name="Title 1">
+            <a:extLst>
+              <a:ext uri="{FF2B5EF4-FFF2-40B4-BE49-F238E27FC236}">
+                <a16:creationId xmlns:a16="http://schemas.microsoft.com/office/drawing/2014/main" id="{12236438-566A-4755-9E3E-8DE90C4C9B3F}"/>
+              </a:ext>
+            </a:extLst>
+          </p:cNvPr>
+          <p:cNvSpPr>
+            <a:spLocks noGrp="1"/>
+          </p:cNvSpPr>
+          <p:nvPr>
+            <p:ph type="title"/>
+          </p:nvPr>
+        </p:nvSpPr>
+        <p:spPr/>
+        <p:txBody>
+          <a:bodyPr/>
+          <a:lstStyle/>
+          <a:p>
+            <a:r>
+              <a:rPr lang="en-US" sz="2800" dirty="0"/>
+              <a:t>Results</a:t>
+            </a:r>
+            <a:endParaRPr lang="en-US" dirty="0"/>
+          </a:p>
+        </p:txBody>
+      </p:sp>
+      <p:sp>
+        <p:nvSpPr>
+          <p:cNvPr id="4" name="Date Placeholder 3">
+            <a:extLst>
+              <a:ext uri="{FF2B5EF4-FFF2-40B4-BE49-F238E27FC236}">
+                <a16:creationId xmlns:a16="http://schemas.microsoft.com/office/drawing/2014/main" id="{53B6460D-6158-4E76-879F-B01B76DEB296}"/>
+              </a:ext>
+            </a:extLst>
+          </p:cNvPr>
+          <p:cNvSpPr>
+            <a:spLocks noGrp="1"/>
+          </p:cNvSpPr>
+          <p:nvPr>
+            <p:ph type="dt" sz="half" idx="10"/>
+          </p:nvPr>
+        </p:nvSpPr>
+        <p:spPr/>
+        <p:txBody>
+          <a:bodyPr/>
+          <a:lstStyle/>
+          <a:p>
+            <a:fld id="{BE0A88F0-556B-4BB7-8AAB-D63AEB65C662}" type="datetime1">
+              <a:rPr lang="en-US" smtClean="0"/>
+              <a:t>10/25/2021</a:t>
+            </a:fld>
+            <a:endParaRPr lang="en-US"/>
+          </a:p>
+        </p:txBody>
+      </p:sp>
+      <p:sp>
+        <p:nvSpPr>
+          <p:cNvPr id="5" name="Footer Placeholder 4">
+            <a:extLst>
+              <a:ext uri="{FF2B5EF4-FFF2-40B4-BE49-F238E27FC236}">
+                <a16:creationId xmlns:a16="http://schemas.microsoft.com/office/drawing/2014/main" id="{A92F128C-0FC6-4DE3-849E-0B9C6225AABC}"/>
+              </a:ext>
+            </a:extLst>
+          </p:cNvPr>
+          <p:cNvSpPr>
+            <a:spLocks noGrp="1"/>
+          </p:cNvSpPr>
+          <p:nvPr>
+            <p:ph type="ftr" sz="quarter" idx="11"/>
+          </p:nvPr>
+        </p:nvSpPr>
+        <p:spPr/>
+        <p:txBody>
+          <a:bodyPr/>
+          <a:lstStyle/>
+          <a:p>
+            <a:r>
+              <a:rPr lang="en-US" dirty="0" err="1"/>
+              <a:t>Toshi</a:t>
+            </a:r>
+            <a:r>
+              <a:rPr lang="en-US" dirty="0"/>
+              <a:t> </a:t>
+            </a:r>
+            <a:r>
+              <a:rPr lang="en-US" dirty="0" err="1"/>
+              <a:t>Torihara</a:t>
+            </a:r>
+            <a:r>
+              <a:rPr lang="en-US" dirty="0"/>
+              <a:t>, Everett Waterman, Charissa Hoxie, and Michael Farm</a:t>
+            </a:r>
+          </a:p>
+          <a:p>
+            <a:endParaRPr lang="en-US" dirty="0"/>
+          </a:p>
+        </p:txBody>
+      </p:sp>
+      <p:sp>
+        <p:nvSpPr>
+          <p:cNvPr id="6" name="Slide Number Placeholder 5">
+            <a:extLst>
+              <a:ext uri="{FF2B5EF4-FFF2-40B4-BE49-F238E27FC236}">
+                <a16:creationId xmlns:a16="http://schemas.microsoft.com/office/drawing/2014/main" id="{4AAE7A43-2989-4B81-8799-C5C942A40A7D}"/>
+              </a:ext>
+            </a:extLst>
+          </p:cNvPr>
+          <p:cNvSpPr>
+            <a:spLocks noGrp="1"/>
+          </p:cNvSpPr>
+          <p:nvPr>
+            <p:ph type="sldNum" sz="quarter" idx="12"/>
+          </p:nvPr>
+        </p:nvSpPr>
+        <p:spPr/>
+        <p:txBody>
+          <a:bodyPr/>
+          <a:lstStyle/>
+          <a:p>
+            <a:fld id="{81D2C36F-4504-47C0-B82F-A167342A2754}" type="slidenum">
+              <a:rPr lang="en-US" smtClean="0"/>
+              <a:t>9</a:t>
             </a:fld>
             <a:endParaRPr lang="en-US"/>
           </a:p>

--- a/mfarm/Project-4.pptx
+++ b/mfarm/Project-4.pptx
@@ -118,6 +118,114 @@
     </p:ext>
   </p:extLst>
 </p:presentation>
+</file>
+
+<file path=ppt/revisionInfo.xml><?xml version="1.0" encoding="utf-8"?>
+<p1510:revInfo xmlns:a="http://schemas.openxmlformats.org/drawingml/2006/main" xmlns:r="http://schemas.openxmlformats.org/officeDocument/2006/relationships" xmlns:p1510="http://schemas.microsoft.com/office/powerpoint/2015/10/main">
+  <p1510:revLst>
+    <p1510:client id="{E25EFC7A-BAD6-4E77-A37C-B78D98B20494}" v="7" dt="2021-10-26T03:54:09.256"/>
+  </p1510:revLst>
+</p1510:revInfo>
+</file>
+
+<file path=ppt/changesInfos/changesInfo1.xml><?xml version="1.0" encoding="utf-8"?>
+<pc:chgInfo xmlns:a="http://schemas.openxmlformats.org/drawingml/2006/main" xmlns:r="http://schemas.openxmlformats.org/officeDocument/2006/relationships" xmlns:ac="http://schemas.microsoft.com/office/drawing/2013/main/command" xmlns:pc="http://schemas.microsoft.com/office/powerpoint/2013/main/command">
+  <pc:docChgLst>
+    <pc:chgData name="Michael Farm" userId="f6dc6ede-c944-4ef2-8370-dc2a56a49865" providerId="ADAL" clId="{E25EFC7A-BAD6-4E77-A37C-B78D98B20494}"/>
+    <pc:docChg chg="modSld">
+      <pc:chgData name="Michael Farm" userId="f6dc6ede-c944-4ef2-8370-dc2a56a49865" providerId="ADAL" clId="{E25EFC7A-BAD6-4E77-A37C-B78D98B20494}" dt="2021-10-26T03:54:44.452" v="82" actId="1076"/>
+      <pc:docMkLst>
+        <pc:docMk/>
+      </pc:docMkLst>
+      <pc:sldChg chg="addSp modSp mod">
+        <pc:chgData name="Michael Farm" userId="f6dc6ede-c944-4ef2-8370-dc2a56a49865" providerId="ADAL" clId="{E25EFC7A-BAD6-4E77-A37C-B78D98B20494}" dt="2021-10-26T03:53:23.891" v="69" actId="1076"/>
+        <pc:sldMkLst>
+          <pc:docMk/>
+          <pc:sldMk cId="3069348670" sldId="260"/>
+        </pc:sldMkLst>
+        <pc:spChg chg="mod">
+          <ac:chgData name="Michael Farm" userId="f6dc6ede-c944-4ef2-8370-dc2a56a49865" providerId="ADAL" clId="{E25EFC7A-BAD6-4E77-A37C-B78D98B20494}" dt="2021-10-26T03:48:10.704" v="18" actId="20577"/>
+          <ac:spMkLst>
+            <pc:docMk/>
+            <pc:sldMk cId="3069348670" sldId="260"/>
+            <ac:spMk id="2" creationId="{7F42AF20-BE6C-4E90-8C0A-3DA11F27AF76}"/>
+          </ac:spMkLst>
+        </pc:spChg>
+        <pc:spChg chg="add mod">
+          <ac:chgData name="Michael Farm" userId="f6dc6ede-c944-4ef2-8370-dc2a56a49865" providerId="ADAL" clId="{E25EFC7A-BAD6-4E77-A37C-B78D98B20494}" dt="2021-10-26T03:53:23.891" v="69" actId="1076"/>
+          <ac:spMkLst>
+            <pc:docMk/>
+            <pc:sldMk cId="3069348670" sldId="260"/>
+            <ac:spMk id="3" creationId="{BDC42C42-144F-4D48-9C4C-0B2993890D00}"/>
+          </ac:spMkLst>
+        </pc:spChg>
+        <pc:spChg chg="add mod">
+          <ac:chgData name="Michael Farm" userId="f6dc6ede-c944-4ef2-8370-dc2a56a49865" providerId="ADAL" clId="{E25EFC7A-BAD6-4E77-A37C-B78D98B20494}" dt="2021-10-26T03:51:39.554" v="52" actId="20577"/>
+          <ac:spMkLst>
+            <pc:docMk/>
+            <pc:sldMk cId="3069348670" sldId="260"/>
+            <ac:spMk id="7" creationId="{21F38E4A-3FB9-4E71-9A45-0487E444354F}"/>
+          </ac:spMkLst>
+        </pc:spChg>
+        <pc:picChg chg="add mod">
+          <ac:chgData name="Michael Farm" userId="f6dc6ede-c944-4ef2-8370-dc2a56a49865" providerId="ADAL" clId="{E25EFC7A-BAD6-4E77-A37C-B78D98B20494}" dt="2021-10-26T03:51:47.817" v="53" actId="1076"/>
+          <ac:picMkLst>
+            <pc:docMk/>
+            <pc:sldMk cId="3069348670" sldId="260"/>
+            <ac:picMk id="8" creationId="{F9DB56E0-9CF6-4B38-A8FE-CE6C10215FCD}"/>
+          </ac:picMkLst>
+        </pc:picChg>
+      </pc:sldChg>
+      <pc:sldChg chg="addSp modSp mod">
+        <pc:chgData name="Michael Farm" userId="f6dc6ede-c944-4ef2-8370-dc2a56a49865" providerId="ADAL" clId="{E25EFC7A-BAD6-4E77-A37C-B78D98B20494}" dt="2021-10-26T03:54:44.452" v="82" actId="1076"/>
+        <pc:sldMkLst>
+          <pc:docMk/>
+          <pc:sldMk cId="2501676307" sldId="265"/>
+        </pc:sldMkLst>
+        <pc:spChg chg="add mod">
+          <ac:chgData name="Michael Farm" userId="f6dc6ede-c944-4ef2-8370-dc2a56a49865" providerId="ADAL" clId="{E25EFC7A-BAD6-4E77-A37C-B78D98B20494}" dt="2021-10-26T03:53:02.084" v="65" actId="1076"/>
+          <ac:spMkLst>
+            <pc:docMk/>
+            <pc:sldMk cId="2501676307" sldId="265"/>
+            <ac:spMk id="7" creationId="{01851630-E68E-44F8-919C-1146858670E9}"/>
+          </ac:spMkLst>
+        </pc:spChg>
+        <pc:picChg chg="add mod">
+          <ac:chgData name="Michael Farm" userId="f6dc6ede-c944-4ef2-8370-dc2a56a49865" providerId="ADAL" clId="{E25EFC7A-BAD6-4E77-A37C-B78D98B20494}" dt="2021-10-26T03:53:45.316" v="72" actId="1076"/>
+          <ac:picMkLst>
+            <pc:docMk/>
+            <pc:sldMk cId="2501676307" sldId="265"/>
+            <ac:picMk id="8" creationId="{79067191-50DC-4ED0-93EA-160D775FCC4C}"/>
+          </ac:picMkLst>
+        </pc:picChg>
+        <pc:picChg chg="add mod">
+          <ac:chgData name="Michael Farm" userId="f6dc6ede-c944-4ef2-8370-dc2a56a49865" providerId="ADAL" clId="{E25EFC7A-BAD6-4E77-A37C-B78D98B20494}" dt="2021-10-26T03:53:53.169" v="74" actId="1076"/>
+          <ac:picMkLst>
+            <pc:docMk/>
+            <pc:sldMk cId="2501676307" sldId="265"/>
+            <ac:picMk id="9" creationId="{1D7728C1-3889-49C8-9D94-9FFC37FB4472}"/>
+          </ac:picMkLst>
+        </pc:picChg>
+        <pc:picChg chg="add mod">
+          <ac:chgData name="Michael Farm" userId="f6dc6ede-c944-4ef2-8370-dc2a56a49865" providerId="ADAL" clId="{E25EFC7A-BAD6-4E77-A37C-B78D98B20494}" dt="2021-10-26T03:54:04.373" v="76" actId="1076"/>
+          <ac:picMkLst>
+            <pc:docMk/>
+            <pc:sldMk cId="2501676307" sldId="265"/>
+            <ac:picMk id="10" creationId="{9B783438-1BDD-40E4-B4E1-B694136B49FE}"/>
+          </ac:picMkLst>
+        </pc:picChg>
+        <pc:picChg chg="add mod">
+          <ac:chgData name="Michael Farm" userId="f6dc6ede-c944-4ef2-8370-dc2a56a49865" providerId="ADAL" clId="{E25EFC7A-BAD6-4E77-A37C-B78D98B20494}" dt="2021-10-26T03:54:44.452" v="82" actId="1076"/>
+          <ac:picMkLst>
+            <pc:docMk/>
+            <pc:sldMk cId="2501676307" sldId="265"/>
+            <ac:picMk id="11" creationId="{73D97244-89D5-4608-96F4-81F6DD47610F}"/>
+          </ac:picMkLst>
+        </pc:picChg>
+      </pc:sldChg>
+    </pc:docChg>
+  </pc:docChgLst>
+</pc:chgInfo>
 </file>
 
 <file path=ppt/slideLayouts/slideLayout1.xml><?xml version="1.0" encoding="utf-8"?>
@@ -6070,6 +6178,232 @@
           </a:p>
         </p:txBody>
       </p:sp>
+      <p:sp>
+        <p:nvSpPr>
+          <p:cNvPr id="3" name="TextBox 2">
+            <a:extLst>
+              <a:ext uri="{FF2B5EF4-FFF2-40B4-BE49-F238E27FC236}">
+                <a16:creationId xmlns:a16="http://schemas.microsoft.com/office/drawing/2014/main" id="{BDC42C42-144F-4D48-9C4C-0B2993890D00}"/>
+              </a:ext>
+            </a:extLst>
+          </p:cNvPr>
+          <p:cNvSpPr txBox="1"/>
+          <p:nvPr/>
+        </p:nvSpPr>
+        <p:spPr>
+          <a:xfrm>
+            <a:off x="838199" y="1480081"/>
+            <a:ext cx="2520779" cy="307777"/>
+          </a:xfrm>
+          <a:prstGeom prst="rect">
+            <a:avLst/>
+          </a:prstGeom>
+          <a:noFill/>
+        </p:spPr>
+        <p:txBody>
+          <a:bodyPr wrap="square" rtlCol="0">
+            <a:spAutoFit/>
+          </a:bodyPr>
+          <a:lstStyle/>
+          <a:p>
+            <a:r>
+              <a:rPr lang="en-US" sz="1400" dirty="0">
+                <a:solidFill>
+                  <a:schemeClr val="accent1"/>
+                </a:solidFill>
+                <a:latin typeface="+mj-lt"/>
+                <a:ea typeface="+mj-ea"/>
+                <a:cs typeface="+mj-cs"/>
+              </a:rPr>
+              <a:t>Neural</a:t>
+            </a:r>
+            <a:r>
+              <a:rPr lang="en-US" sz="1400" b="0" i="0" dirty="0">
+                <a:effectLst/>
+                <a:latin typeface="+mj-lt"/>
+              </a:rPr>
+              <a:t> </a:t>
+            </a:r>
+            <a:r>
+              <a:rPr lang="en-US" sz="1400" dirty="0">
+                <a:solidFill>
+                  <a:schemeClr val="accent1"/>
+                </a:solidFill>
+                <a:latin typeface="+mj-lt"/>
+                <a:ea typeface="+mj-ea"/>
+                <a:cs typeface="+mj-cs"/>
+              </a:rPr>
+              <a:t>Network Model</a:t>
+            </a:r>
+          </a:p>
+        </p:txBody>
+      </p:sp>
+      <p:sp>
+        <p:nvSpPr>
+          <p:cNvPr id="7" name="TextBox 6">
+            <a:extLst>
+              <a:ext uri="{FF2B5EF4-FFF2-40B4-BE49-F238E27FC236}">
+                <a16:creationId xmlns:a16="http://schemas.microsoft.com/office/drawing/2014/main" id="{21F38E4A-3FB9-4E71-9A45-0487E444354F}"/>
+              </a:ext>
+            </a:extLst>
+          </p:cNvPr>
+          <p:cNvSpPr txBox="1"/>
+          <p:nvPr/>
+        </p:nvSpPr>
+        <p:spPr>
+          <a:xfrm>
+            <a:off x="461319" y="2117124"/>
+            <a:ext cx="10091351" cy="3763851"/>
+          </a:xfrm>
+          <a:prstGeom prst="rect">
+            <a:avLst/>
+          </a:prstGeom>
+          <a:noFill/>
+        </p:spPr>
+        <p:txBody>
+          <a:bodyPr wrap="square" rtlCol="0">
+            <a:spAutoFit/>
+          </a:bodyPr>
+          <a:lstStyle/>
+          <a:p>
+            <a:pPr>
+              <a:lnSpc>
+                <a:spcPct val="140000"/>
+              </a:lnSpc>
+              <a:spcBef>
+                <a:spcPts val="1000"/>
+              </a:spcBef>
+            </a:pPr>
+            <a:r>
+              <a:rPr lang="en-US" sz="1600" dirty="0">
+                <a:solidFill>
+                  <a:schemeClr val="accent1"/>
+                </a:solidFill>
+              </a:rPr>
+              <a:t>Number of neurons, layers, and activation function selected for the neural networks were as follows:</a:t>
+            </a:r>
+            <a:br>
+              <a:rPr lang="en-US" sz="1600" dirty="0">
+                <a:solidFill>
+                  <a:schemeClr val="accent1"/>
+                </a:solidFill>
+              </a:rPr>
+            </a:br>
+            <a:endParaRPr lang="en-US" sz="1600" dirty="0">
+              <a:solidFill>
+                <a:schemeClr val="accent1"/>
+              </a:solidFill>
+            </a:endParaRPr>
+          </a:p>
+          <a:p>
+            <a:pPr>
+              <a:lnSpc>
+                <a:spcPct val="140000"/>
+              </a:lnSpc>
+              <a:spcBef>
+                <a:spcPts val="1000"/>
+              </a:spcBef>
+            </a:pPr>
+            <a:endParaRPr lang="en-US" sz="1600" dirty="0">
+              <a:solidFill>
+                <a:schemeClr val="accent1"/>
+              </a:solidFill>
+            </a:endParaRPr>
+          </a:p>
+          <a:p>
+            <a:pPr>
+              <a:lnSpc>
+                <a:spcPct val="140000"/>
+              </a:lnSpc>
+              <a:spcBef>
+                <a:spcPts val="1000"/>
+              </a:spcBef>
+            </a:pPr>
+            <a:r>
+              <a:rPr lang="en-US" sz="1600" dirty="0">
+                <a:solidFill>
+                  <a:schemeClr val="accent1"/>
+                </a:solidFill>
+              </a:rPr>
+              <a:t>&lt;Summary&gt;</a:t>
+            </a:r>
+            <a:br>
+              <a:rPr lang="en-US" sz="1600" dirty="0">
+                <a:solidFill>
+                  <a:schemeClr val="accent1"/>
+                </a:solidFill>
+              </a:rPr>
+            </a:br>
+            <a:r>
+              <a:rPr lang="en-US" sz="1600" dirty="0">
+                <a:solidFill>
+                  <a:schemeClr val="accent1"/>
+                </a:solidFill>
+              </a:rPr>
+              <a:t>Trial and error to add more neurons and layers, and different configurations of activation functions were attempted in order to increase the model performance.</a:t>
+            </a:r>
+            <a:br>
+              <a:rPr lang="en-US" sz="1600" dirty="0">
+                <a:solidFill>
+                  <a:schemeClr val="accent1"/>
+                </a:solidFill>
+              </a:rPr>
+            </a:br>
+            <a:r>
+              <a:rPr lang="en-US" sz="1600" dirty="0">
+                <a:solidFill>
+                  <a:schemeClr val="accent1"/>
+                </a:solidFill>
+              </a:rPr>
+              <a:t>&lt;Result&gt;</a:t>
+            </a:r>
+            <a:br>
+              <a:rPr lang="en-US" sz="1600" dirty="0">
+                <a:solidFill>
+                  <a:schemeClr val="accent1"/>
+                </a:solidFill>
+              </a:rPr>
+            </a:br>
+            <a:r>
+              <a:rPr lang="en-US" sz="1600" dirty="0">
+                <a:solidFill>
+                  <a:schemeClr val="accent1"/>
+                </a:solidFill>
+              </a:rPr>
+              <a:t>The accuracy rate of the best model (Model #2) was 97.2%. Better than the Model #1 by adding more units, the third hidden layer, and doubling the number of epochs. It turned out Model #3 was slightly less accurate even though it added even more units possibly due to overfitting the model.</a:t>
+            </a:r>
+          </a:p>
+        </p:txBody>
+      </p:sp>
+      <p:pic>
+        <p:nvPicPr>
+          <p:cNvPr id="8" name="図 7">
+            <a:extLst>
+              <a:ext uri="{FF2B5EF4-FFF2-40B4-BE49-F238E27FC236}">
+                <a16:creationId xmlns:a16="http://schemas.microsoft.com/office/drawing/2014/main" id="{F9DB56E0-9CF6-4B38-A8FE-CE6C10215FCD}"/>
+              </a:ext>
+            </a:extLst>
+          </p:cNvPr>
+          <p:cNvPicPr>
+            <a:picLocks noChangeAspect="1"/>
+          </p:cNvPicPr>
+          <p:nvPr/>
+        </p:nvPicPr>
+        <p:blipFill rotWithShape="1">
+          <a:blip r:embed="rId2"/>
+          <a:srcRect l="2983" t="32768" r="17622" b="56088"/>
+          <a:stretch/>
+        </p:blipFill>
+        <p:spPr>
+          <a:xfrm>
+            <a:off x="592103" y="2591322"/>
+            <a:ext cx="9829782" cy="751422"/>
+          </a:xfrm>
+          <a:prstGeom prst="rect">
+            <a:avLst/>
+          </a:prstGeom>
+        </p:spPr>
+      </p:pic>
     </p:spTree>
     <p:extLst>
       <p:ext uri="{BB962C8B-B14F-4D97-AF65-F5344CB8AC3E}">
@@ -6232,6 +6566,189 @@
           </a:p>
         </p:txBody>
       </p:sp>
+      <p:sp>
+        <p:nvSpPr>
+          <p:cNvPr id="7" name="TextBox 6">
+            <a:extLst>
+              <a:ext uri="{FF2B5EF4-FFF2-40B4-BE49-F238E27FC236}">
+                <a16:creationId xmlns:a16="http://schemas.microsoft.com/office/drawing/2014/main" id="{01851630-E68E-44F8-919C-1146858670E9}"/>
+              </a:ext>
+            </a:extLst>
+          </p:cNvPr>
+          <p:cNvSpPr txBox="1"/>
+          <p:nvPr/>
+        </p:nvSpPr>
+        <p:spPr>
+          <a:xfrm>
+            <a:off x="838199" y="1480081"/>
+            <a:ext cx="6268995" cy="307777"/>
+          </a:xfrm>
+          <a:prstGeom prst="rect">
+            <a:avLst/>
+          </a:prstGeom>
+          <a:noFill/>
+        </p:spPr>
+        <p:txBody>
+          <a:bodyPr wrap="square">
+            <a:spAutoFit/>
+          </a:bodyPr>
+          <a:lstStyle/>
+          <a:p>
+            <a:r>
+              <a:rPr lang="en-US" sz="1400" dirty="0">
+                <a:solidFill>
+                  <a:schemeClr val="accent1"/>
+                </a:solidFill>
+                <a:latin typeface="+mj-lt"/>
+                <a:ea typeface="+mj-ea"/>
+                <a:cs typeface="+mj-cs"/>
+              </a:rPr>
+              <a:t>Principal Component Visualization of clusters with </a:t>
+            </a:r>
+            <a:r>
+              <a:rPr lang="en-US" sz="1400" dirty="0" err="1">
+                <a:solidFill>
+                  <a:schemeClr val="accent1"/>
+                </a:solidFill>
+                <a:latin typeface="+mj-lt"/>
+                <a:ea typeface="+mj-ea"/>
+                <a:cs typeface="+mj-cs"/>
+              </a:rPr>
+              <a:t>KMeans</a:t>
+            </a:r>
+            <a:endParaRPr lang="en-US" sz="1400" dirty="0">
+              <a:solidFill>
+                <a:schemeClr val="accent1"/>
+              </a:solidFill>
+              <a:latin typeface="+mj-lt"/>
+              <a:ea typeface="+mj-ea"/>
+              <a:cs typeface="+mj-cs"/>
+            </a:endParaRPr>
+          </a:p>
+        </p:txBody>
+      </p:sp>
+      <p:pic>
+        <p:nvPicPr>
+          <p:cNvPr id="8" name="図 8">
+            <a:extLst>
+              <a:ext uri="{FF2B5EF4-FFF2-40B4-BE49-F238E27FC236}">
+                <a16:creationId xmlns:a16="http://schemas.microsoft.com/office/drawing/2014/main" id="{79067191-50DC-4ED0-93EA-160D775FCC4C}"/>
+              </a:ext>
+            </a:extLst>
+          </p:cNvPr>
+          <p:cNvPicPr>
+            <a:picLocks noChangeAspect="1"/>
+          </p:cNvPicPr>
+          <p:nvPr/>
+        </p:nvPicPr>
+        <p:blipFill rotWithShape="1">
+          <a:blip r:embed="rId2"/>
+          <a:srcRect l="4942" t="19840" r="65862" b="42095"/>
+          <a:stretch/>
+        </p:blipFill>
+        <p:spPr>
+          <a:xfrm>
+            <a:off x="543533" y="3429000"/>
+            <a:ext cx="3325133" cy="2438500"/>
+          </a:xfrm>
+          <a:prstGeom prst="rect">
+            <a:avLst/>
+          </a:prstGeom>
+        </p:spPr>
+      </p:pic>
+      <p:pic>
+        <p:nvPicPr>
+          <p:cNvPr id="9" name="図 6">
+            <a:extLst>
+              <a:ext uri="{FF2B5EF4-FFF2-40B4-BE49-F238E27FC236}">
+                <a16:creationId xmlns:a16="http://schemas.microsoft.com/office/drawing/2014/main" id="{1D7728C1-3889-49C8-9D94-9FFC37FB4472}"/>
+              </a:ext>
+            </a:extLst>
+          </p:cNvPr>
+          <p:cNvPicPr>
+            <a:picLocks noChangeAspect="1"/>
+          </p:cNvPicPr>
+          <p:nvPr/>
+        </p:nvPicPr>
+        <p:blipFill rotWithShape="1">
+          <a:blip r:embed="rId3"/>
+          <a:srcRect l="5053" t="18413" r="66389" b="64500"/>
+          <a:stretch/>
+        </p:blipFill>
+        <p:spPr>
+          <a:xfrm>
+            <a:off x="543533" y="2055798"/>
+            <a:ext cx="3559612" cy="1197976"/>
+          </a:xfrm>
+          <a:prstGeom prst="rect">
+            <a:avLst/>
+          </a:prstGeom>
+        </p:spPr>
+      </p:pic>
+      <p:pic>
+        <p:nvPicPr>
+          <p:cNvPr id="10" name="図 9">
+            <a:extLst>
+              <a:ext uri="{FF2B5EF4-FFF2-40B4-BE49-F238E27FC236}">
+                <a16:creationId xmlns:a16="http://schemas.microsoft.com/office/drawing/2014/main" id="{9B783438-1BDD-40E4-B4E1-B694136B49FE}"/>
+              </a:ext>
+            </a:extLst>
+          </p:cNvPr>
+          <p:cNvPicPr>
+            <a:picLocks noChangeAspect="1"/>
+          </p:cNvPicPr>
+          <p:nvPr/>
+        </p:nvPicPr>
+        <p:blipFill rotWithShape="1">
+          <a:blip r:embed="rId2"/>
+          <a:srcRect l="3432" t="61167" r="52088" b="23122"/>
+          <a:stretch/>
+        </p:blipFill>
+        <p:spPr>
+          <a:xfrm>
+            <a:off x="4363033" y="2055798"/>
+            <a:ext cx="6250999" cy="1241944"/>
+          </a:xfrm>
+          <a:prstGeom prst="rect">
+            <a:avLst/>
+          </a:prstGeom>
+        </p:spPr>
+      </p:pic>
+      <p:pic>
+        <p:nvPicPr>
+          <p:cNvPr id="11" name="図 11" descr="グラフ, 散布図&#10;&#10;自動的に生成された説明">
+            <a:extLst>
+              <a:ext uri="{FF2B5EF4-FFF2-40B4-BE49-F238E27FC236}">
+                <a16:creationId xmlns:a16="http://schemas.microsoft.com/office/drawing/2014/main" id="{73D97244-89D5-4608-96F4-81F6DD47610F}"/>
+              </a:ext>
+            </a:extLst>
+          </p:cNvPr>
+          <p:cNvPicPr>
+            <a:picLocks noChangeAspect="1"/>
+          </p:cNvPicPr>
+          <p:nvPr/>
+        </p:nvPicPr>
+        <p:blipFill rotWithShape="1">
+          <a:blip r:embed="rId4">
+            <a:extLst>
+              <a:ext uri="{28A0092B-C50C-407E-A947-70E740481C1C}">
+                <a14:useLocalDpi xmlns:a14="http://schemas.microsoft.com/office/drawing/2010/main" val="0"/>
+              </a:ext>
+            </a:extLst>
+          </a:blip>
+          <a:srcRect l="9212" t="12382" r="1503" b="11681"/>
+          <a:stretch/>
+        </p:blipFill>
+        <p:spPr>
+          <a:xfrm>
+            <a:off x="4862524" y="3429000"/>
+            <a:ext cx="5256269" cy="2514600"/>
+          </a:xfrm>
+          <a:prstGeom prst="rect">
+            <a:avLst/>
+          </a:prstGeom>
+        </p:spPr>
+      </p:pic>
     </p:spTree>
     <p:extLst>
       <p:ext uri="{BB962C8B-B14F-4D97-AF65-F5344CB8AC3E}">

--- a/mfarm/Project-4.pptx
+++ b/mfarm/Project-4.pptx
@@ -133,12 +133,12 @@
   <pc:docChgLst>
     <pc:chgData name="Michael Farm" userId="f6dc6ede-c944-4ef2-8370-dc2a56a49865" providerId="ADAL" clId="{E25EFC7A-BAD6-4E77-A37C-B78D98B20494}"/>
     <pc:docChg chg="modSld">
-      <pc:chgData name="Michael Farm" userId="f6dc6ede-c944-4ef2-8370-dc2a56a49865" providerId="ADAL" clId="{E25EFC7A-BAD6-4E77-A37C-B78D98B20494}" dt="2021-10-26T03:54:44.452" v="82" actId="1076"/>
+      <pc:chgData name="Michael Farm" userId="f6dc6ede-c944-4ef2-8370-dc2a56a49865" providerId="ADAL" clId="{E25EFC7A-BAD6-4E77-A37C-B78D98B20494}" dt="2021-10-26T03:58:03.196" v="90" actId="20577"/>
       <pc:docMkLst>
         <pc:docMk/>
       </pc:docMkLst>
       <pc:sldChg chg="addSp modSp mod">
-        <pc:chgData name="Michael Farm" userId="f6dc6ede-c944-4ef2-8370-dc2a56a49865" providerId="ADAL" clId="{E25EFC7A-BAD6-4E77-A37C-B78D98B20494}" dt="2021-10-26T03:53:23.891" v="69" actId="1076"/>
+        <pc:chgData name="Michael Farm" userId="f6dc6ede-c944-4ef2-8370-dc2a56a49865" providerId="ADAL" clId="{E25EFC7A-BAD6-4E77-A37C-B78D98B20494}" dt="2021-10-26T03:58:03.196" v="90" actId="20577"/>
         <pc:sldMkLst>
           <pc:docMk/>
           <pc:sldMk cId="3069348670" sldId="260"/>
@@ -160,7 +160,7 @@
           </ac:spMkLst>
         </pc:spChg>
         <pc:spChg chg="add mod">
-          <ac:chgData name="Michael Farm" userId="f6dc6ede-c944-4ef2-8370-dc2a56a49865" providerId="ADAL" clId="{E25EFC7A-BAD6-4E77-A37C-B78D98B20494}" dt="2021-10-26T03:51:39.554" v="52" actId="20577"/>
+          <ac:chgData name="Michael Farm" userId="f6dc6ede-c944-4ef2-8370-dc2a56a49865" providerId="ADAL" clId="{E25EFC7A-BAD6-4E77-A37C-B78D98B20494}" dt="2021-10-26T03:58:03.196" v="90" actId="20577"/>
           <ac:spMkLst>
             <pc:docMk/>
             <pc:sldMk cId="3069348670" sldId="260"/>
@@ -6320,7 +6320,7 @@
               </a:spcBef>
             </a:pPr>
             <a:r>
-              <a:rPr lang="en-US" sz="1600" dirty="0">
+              <a:rPr lang="en-US" sz="1600" b="1" dirty="0">
                 <a:solidFill>
                   <a:schemeClr val="accent1"/>
                 </a:solidFill>
@@ -6340,7 +6340,15 @@
                   <a:schemeClr val="accent1"/>
                 </a:solidFill>
               </a:rPr>
-              <a:t>Trial and error to add more neurons and layers, and different configurations of activation functions were attempted in order to increase the model performance.</a:t>
+              <a:t>Trial and error to add more neurons and layers, and different configurations of activation functions were attempted in order to increase the model </a:t>
+            </a:r>
+            <a:r>
+              <a:rPr lang="en-US" sz="1600">
+                <a:solidFill>
+                  <a:schemeClr val="accent1"/>
+                </a:solidFill>
+              </a:rPr>
+              <a:t>performance.</a:t>
             </a:r>
             <a:br>
               <a:rPr lang="en-US" sz="1600" dirty="0">
@@ -6350,7 +6358,7 @@
               </a:rPr>
             </a:br>
             <a:r>
-              <a:rPr lang="en-US" sz="1600" dirty="0">
+              <a:rPr lang="en-US" sz="1600" b="1" dirty="0">
                 <a:solidFill>
                   <a:schemeClr val="accent1"/>
                 </a:solidFill>
@@ -6370,7 +6378,7 @@
                   <a:schemeClr val="accent1"/>
                 </a:solidFill>
               </a:rPr>
-              <a:t>The accuracy rate of the best model (Model #2) was 97.2%. Better than the Model #1 by adding more units, the third hidden layer, and doubling the number of epochs. It turned out Model #3 was slightly less accurate even though it added even more units possibly due to overfitting the model.</a:t>
+              <a:t>The accuracy rate of the best model, Model #2, was 97.2%. Better than the Model #1 by adding more units, the third hidden layer, and doubling the number of epochs. It turned out Model #3 was slightly less accurate even though it added even more units possibly due to overfitting the model.</a:t>
             </a:r>
           </a:p>
         </p:txBody>

--- a/mfarm/Project-4.pptx
+++ b/mfarm/Project-4.pptx
@@ -6589,7 +6589,7 @@
         <p:spPr>
           <a:xfrm>
             <a:off x="838199" y="1480081"/>
-            <a:ext cx="6268995" cy="307777"/>
+            <a:ext cx="7334251" cy="307777"/>
           </a:xfrm>
           <a:prstGeom prst="rect">
             <a:avLst/>
@@ -6611,7 +6611,7 @@
                 <a:ea typeface="+mj-ea"/>
                 <a:cs typeface="+mj-cs"/>
               </a:rPr>
-              <a:t>Principal Component Visualization of clusters with </a:t>
+              <a:t>Principal Component Analysis - Visualization of clusters with </a:t>
             </a:r>
             <a:r>
               <a:rPr lang="en-US" sz="1400" dirty="0" err="1">

--- a/mfarm/Project-4.pptx
+++ b/mfarm/Project-4.pptx
@@ -123,7 +123,7 @@
 <file path=ppt/revisionInfo.xml><?xml version="1.0" encoding="utf-8"?>
 <p1510:revInfo xmlns:a="http://schemas.openxmlformats.org/drawingml/2006/main" xmlns:r="http://schemas.openxmlformats.org/officeDocument/2006/relationships" xmlns:p1510="http://schemas.microsoft.com/office/powerpoint/2015/10/main">
   <p1510:revLst>
-    <p1510:client id="{E25EFC7A-BAD6-4E77-A37C-B78D98B20494}" v="7" dt="2021-10-26T03:54:09.256"/>
+    <p1510:client id="{E25EFC7A-BAD6-4E77-A37C-B78D98B20494}" v="9" dt="2021-10-28T03:28:22.733"/>
   </p1510:revLst>
 </p1510:revInfo>
 </file>
@@ -133,7 +133,7 @@
   <pc:docChgLst>
     <pc:chgData name="Michael Farm" userId="f6dc6ede-c944-4ef2-8370-dc2a56a49865" providerId="ADAL" clId="{E25EFC7A-BAD6-4E77-A37C-B78D98B20494}"/>
     <pc:docChg chg="modSld">
-      <pc:chgData name="Michael Farm" userId="f6dc6ede-c944-4ef2-8370-dc2a56a49865" providerId="ADAL" clId="{E25EFC7A-BAD6-4E77-A37C-B78D98B20494}" dt="2021-10-26T03:58:03.196" v="90" actId="20577"/>
+      <pc:chgData name="Michael Farm" userId="f6dc6ede-c944-4ef2-8370-dc2a56a49865" providerId="ADAL" clId="{E25EFC7A-BAD6-4E77-A37C-B78D98B20494}" dt="2021-10-28T03:28:30.825" v="103" actId="1076"/>
       <pc:docMkLst>
         <pc:docMk/>
       </pc:docMkLst>
@@ -173,6 +173,37 @@
             <pc:docMk/>
             <pc:sldMk cId="3069348670" sldId="260"/>
             <ac:picMk id="8" creationId="{F9DB56E0-9CF6-4B38-A8FE-CE6C10215FCD}"/>
+          </ac:picMkLst>
+        </pc:picChg>
+      </pc:sldChg>
+      <pc:sldChg chg="addSp modSp mod">
+        <pc:chgData name="Michael Farm" userId="f6dc6ede-c944-4ef2-8370-dc2a56a49865" providerId="ADAL" clId="{E25EFC7A-BAD6-4E77-A37C-B78D98B20494}" dt="2021-10-28T03:28:30.825" v="103" actId="1076"/>
+        <pc:sldMkLst>
+          <pc:docMk/>
+          <pc:sldMk cId="3066507981" sldId="264"/>
+        </pc:sldMkLst>
+        <pc:picChg chg="add mod">
+          <ac:chgData name="Michael Farm" userId="f6dc6ede-c944-4ef2-8370-dc2a56a49865" providerId="ADAL" clId="{E25EFC7A-BAD6-4E77-A37C-B78D98B20494}" dt="2021-10-28T03:27:59.926" v="96" actId="1076"/>
+          <ac:picMkLst>
+            <pc:docMk/>
+            <pc:sldMk cId="3066507981" sldId="264"/>
+            <ac:picMk id="3" creationId="{3685527C-4432-44CE-8F26-3D37B2D1D642}"/>
+          </ac:picMkLst>
+        </pc:picChg>
+        <pc:picChg chg="add mod">
+          <ac:chgData name="Michael Farm" userId="f6dc6ede-c944-4ef2-8370-dc2a56a49865" providerId="ADAL" clId="{E25EFC7A-BAD6-4E77-A37C-B78D98B20494}" dt="2021-10-28T03:28:09.946" v="98" actId="1076"/>
+          <ac:picMkLst>
+            <pc:docMk/>
+            <pc:sldMk cId="3066507981" sldId="264"/>
+            <ac:picMk id="8" creationId="{A3E203DC-33E9-4115-917B-0861FAA85B6C}"/>
+          </ac:picMkLst>
+        </pc:picChg>
+        <pc:picChg chg="add mod">
+          <ac:chgData name="Michael Farm" userId="f6dc6ede-c944-4ef2-8370-dc2a56a49865" providerId="ADAL" clId="{E25EFC7A-BAD6-4E77-A37C-B78D98B20494}" dt="2021-10-28T03:28:30.825" v="103" actId="1076"/>
+          <ac:picMkLst>
+            <pc:docMk/>
+            <pc:sldMk cId="3066507981" sldId="264"/>
+            <ac:picMk id="9" creationId="{AE870D51-8CD6-48D5-A2D1-6420C985076E}"/>
           </ac:picMkLst>
         </pc:picChg>
       </pc:sldChg>
@@ -384,7 +415,7 @@
           <a:p>
             <a:fld id="{098A0168-EB40-45AF-89A1-87DE0A55FFC6}" type="datetime1">
               <a:rPr lang="en-US" smtClean="0"/>
-              <a:t>10/25/2021</a:t>
+              <a:t>10/27/2021</a:t>
             </a:fld>
             <a:endParaRPr lang="en-US"/>
           </a:p>
@@ -635,7 +666,7 @@
           <a:p>
             <a:fld id="{8F8CA68F-747D-436A-B5BB-2EBC3ED499E4}" type="datetime1">
               <a:rPr lang="en-US" smtClean="0"/>
-              <a:t>10/25/2021</a:t>
+              <a:t>10/27/2021</a:t>
             </a:fld>
             <a:endParaRPr lang="en-US"/>
           </a:p>
@@ -845,7 +876,7 @@
           <a:p>
             <a:fld id="{6DD8DC11-9E39-40A0-B3DC-E3F2AD04A616}" type="datetime1">
               <a:rPr lang="en-US" smtClean="0"/>
-              <a:t>10/25/2021</a:t>
+              <a:t>10/27/2021</a:t>
             </a:fld>
             <a:endParaRPr lang="en-US"/>
           </a:p>
@@ -1055,7 +1086,7 @@
           <a:p>
             <a:fld id="{BE0A88F0-556B-4BB7-8AAB-D63AEB65C662}" type="datetime1">
               <a:rPr lang="en-US" smtClean="0"/>
-              <a:t>10/25/2021</a:t>
+              <a:t>10/27/2021</a:t>
             </a:fld>
             <a:endParaRPr lang="en-US"/>
           </a:p>
@@ -1372,7 +1403,7 @@
           <a:p>
             <a:fld id="{60E05506-6815-4E0E-B1DE-ECA35C2016DF}" type="datetime1">
               <a:rPr lang="en-US" smtClean="0"/>
-              <a:t>10/25/2021</a:t>
+              <a:t>10/27/2021</a:t>
             </a:fld>
             <a:endParaRPr lang="en-US"/>
           </a:p>
@@ -1645,7 +1676,7 @@
           <a:p>
             <a:fld id="{FC6E85F7-A724-48A4-9D33-CEBC5174E865}" type="datetime1">
               <a:rPr lang="en-US" smtClean="0"/>
-              <a:t>10/25/2021</a:t>
+              <a:t>10/27/2021</a:t>
             </a:fld>
             <a:endParaRPr lang="en-US"/>
           </a:p>
@@ -2156,7 +2187,7 @@
           <a:p>
             <a:fld id="{42806E7A-BDD3-46A3-BEE2-EB821F9236B4}" type="datetime1">
               <a:rPr lang="en-US" smtClean="0"/>
-              <a:t>10/25/2021</a:t>
+              <a:t>10/27/2021</a:t>
             </a:fld>
             <a:endParaRPr lang="en-US"/>
           </a:p>
@@ -2389,7 +2420,7 @@
           <a:p>
             <a:fld id="{9ED1540C-9440-4E7A-B71A-BEFEE06869E3}" type="datetime1">
               <a:rPr lang="en-US" smtClean="0"/>
-              <a:t>10/25/2021</a:t>
+              <a:t>10/27/2021</a:t>
             </a:fld>
             <a:endParaRPr lang="en-US"/>
           </a:p>
@@ -2502,7 +2533,7 @@
           <a:p>
             <a:fld id="{E0318DDB-88AC-4039-B59C-B05DC4C9C16C}" type="datetime1">
               <a:rPr lang="en-US" smtClean="0"/>
-              <a:t>10/25/2021</a:t>
+              <a:t>10/27/2021</a:t>
             </a:fld>
             <a:endParaRPr lang="en-US"/>
           </a:p>
@@ -2817,7 +2848,7 @@
           <a:p>
             <a:fld id="{E082ABFB-60E7-4BA1-866A-7059F058065B}" type="datetime1">
               <a:rPr lang="en-US" smtClean="0"/>
-              <a:t>10/25/2021</a:t>
+              <a:t>10/27/2021</a:t>
             </a:fld>
             <a:endParaRPr lang="en-US"/>
           </a:p>
@@ -3109,7 +3140,7 @@
           <a:p>
             <a:fld id="{2694112F-55F4-4776-A323-7418930321C8}" type="datetime1">
               <a:rPr lang="en-US" smtClean="0"/>
-              <a:t>10/25/2021</a:t>
+              <a:t>10/27/2021</a:t>
             </a:fld>
             <a:endParaRPr lang="en-US"/>
           </a:p>
@@ -3404,7 +3435,7 @@
           <a:p>
             <a:fld id="{CFBEA57F-793F-4683-BD8A-741FD4B89154}" type="datetime1">
               <a:rPr lang="en-US" smtClean="0"/>
-              <a:t>10/25/2021</a:t>
+              <a:t>10/27/2021</a:t>
             </a:fld>
             <a:endParaRPr lang="en-US" dirty="0"/>
           </a:p>
@@ -4479,7 +4510,7 @@
                   <a:spcPts val="600"/>
                 </a:spcAft>
               </a:pPr>
-              <a:t>10/25/2021</a:t>
+              <a:t>10/27/2021</a:t>
             </a:fld>
             <a:endParaRPr lang="en-US"/>
           </a:p>
@@ -4940,7 +4971,7 @@
           <a:p>
             <a:fld id="{BE0A88F0-556B-4BB7-8AAB-D63AEB65C662}" type="datetime1">
               <a:rPr lang="en-US" smtClean="0"/>
-              <a:t>10/25/2021</a:t>
+              <a:t>10/27/2021</a:t>
             </a:fld>
             <a:endParaRPr lang="en-US"/>
           </a:p>
@@ -5153,7 +5184,7 @@
           <a:p>
             <a:fld id="{BE0A88F0-556B-4BB7-8AAB-D63AEB65C662}" type="datetime1">
               <a:rPr lang="en-US" smtClean="0"/>
-              <a:t>10/25/2021</a:t>
+              <a:t>10/27/2021</a:t>
             </a:fld>
             <a:endParaRPr lang="en-US"/>
           </a:p>
@@ -5361,7 +5392,7 @@
                 <a:tabLst/>
                 <a:defRPr/>
               </a:pPr>
-              <a:t>10/25/2021</a:t>
+              <a:t>10/27/2021</a:t>
             </a:fld>
             <a:endParaRPr kumimoji="0" lang="en-US" sz="1000" b="0" i="0" u="none" strike="noStrike" kern="1200" cap="all" spc="300" normalizeH="0" baseline="0" noProof="0" dirty="0">
               <a:ln>
@@ -6100,7 +6131,7 @@
           <a:p>
             <a:fld id="{BE0A88F0-556B-4BB7-8AAB-D63AEB65C662}" type="datetime1">
               <a:rPr lang="en-US" smtClean="0"/>
-              <a:t>10/25/2021</a:t>
+              <a:t>10/27/2021</a:t>
             </a:fld>
             <a:endParaRPr lang="en-US"/>
           </a:p>
@@ -6496,7 +6527,7 @@
           <a:p>
             <a:fld id="{BE0A88F0-556B-4BB7-8AAB-D63AEB65C662}" type="datetime1">
               <a:rPr lang="en-US" smtClean="0"/>
-              <a:t>10/25/2021</a:t>
+              <a:t>10/27/2021</a:t>
             </a:fld>
             <a:endParaRPr lang="en-US"/>
           </a:p>
@@ -6841,7 +6872,7 @@
           <a:p>
             <a:fld id="{BE0A88F0-556B-4BB7-8AAB-D63AEB65C662}" type="datetime1">
               <a:rPr lang="en-US" smtClean="0"/>
-              <a:t>10/25/2021</a:t>
+              <a:t>10/27/2021</a:t>
             </a:fld>
             <a:endParaRPr lang="en-US"/>
           </a:p>
@@ -6919,6 +6950,96 @@
           </a:p>
         </p:txBody>
       </p:sp>
+      <p:pic>
+        <p:nvPicPr>
+          <p:cNvPr id="3" name="Picture 2">
+            <a:extLst>
+              <a:ext uri="{FF2B5EF4-FFF2-40B4-BE49-F238E27FC236}">
+                <a16:creationId xmlns:a16="http://schemas.microsoft.com/office/drawing/2014/main" id="{3685527C-4432-44CE-8F26-3D37B2D1D642}"/>
+              </a:ext>
+            </a:extLst>
+          </p:cNvPr>
+          <p:cNvPicPr>
+            <a:picLocks noChangeAspect="1"/>
+          </p:cNvPicPr>
+          <p:nvPr/>
+        </p:nvPicPr>
+        <p:blipFill>
+          <a:blip r:embed="rId2"/>
+          <a:stretch>
+            <a:fillRect/>
+          </a:stretch>
+        </p:blipFill>
+        <p:spPr>
+          <a:xfrm>
+            <a:off x="458077" y="2110775"/>
+            <a:ext cx="5096454" cy="3717573"/>
+          </a:xfrm>
+          <a:prstGeom prst="rect">
+            <a:avLst/>
+          </a:prstGeom>
+        </p:spPr>
+      </p:pic>
+      <p:pic>
+        <p:nvPicPr>
+          <p:cNvPr id="8" name="Picture 7">
+            <a:extLst>
+              <a:ext uri="{FF2B5EF4-FFF2-40B4-BE49-F238E27FC236}">
+                <a16:creationId xmlns:a16="http://schemas.microsoft.com/office/drawing/2014/main" id="{A3E203DC-33E9-4115-917B-0861FAA85B6C}"/>
+              </a:ext>
+            </a:extLst>
+          </p:cNvPr>
+          <p:cNvPicPr>
+            <a:picLocks noChangeAspect="1"/>
+          </p:cNvPicPr>
+          <p:nvPr/>
+        </p:nvPicPr>
+        <p:blipFill>
+          <a:blip r:embed="rId3"/>
+          <a:stretch>
+            <a:fillRect/>
+          </a:stretch>
+        </p:blipFill>
+        <p:spPr>
+          <a:xfrm>
+            <a:off x="5601836" y="1955275"/>
+            <a:ext cx="2514286" cy="4028571"/>
+          </a:xfrm>
+          <a:prstGeom prst="rect">
+            <a:avLst/>
+          </a:prstGeom>
+        </p:spPr>
+      </p:pic>
+      <p:pic>
+        <p:nvPicPr>
+          <p:cNvPr id="9" name="Picture 8">
+            <a:extLst>
+              <a:ext uri="{FF2B5EF4-FFF2-40B4-BE49-F238E27FC236}">
+                <a16:creationId xmlns:a16="http://schemas.microsoft.com/office/drawing/2014/main" id="{AE870D51-8CD6-48D5-A2D1-6420C985076E}"/>
+              </a:ext>
+            </a:extLst>
+          </p:cNvPr>
+          <p:cNvPicPr>
+            <a:picLocks noChangeAspect="1"/>
+          </p:cNvPicPr>
+          <p:nvPr/>
+        </p:nvPicPr>
+        <p:blipFill>
+          <a:blip r:embed="rId4"/>
+          <a:stretch>
+            <a:fillRect/>
+          </a:stretch>
+        </p:blipFill>
+        <p:spPr>
+          <a:xfrm>
+            <a:off x="8163427" y="1955275"/>
+            <a:ext cx="2514287" cy="2077804"/>
+          </a:xfrm>
+          <a:prstGeom prst="rect">
+            <a:avLst/>
+          </a:prstGeom>
+        </p:spPr>
+      </p:pic>
     </p:spTree>
     <p:extLst>
       <p:ext uri="{BB962C8B-B14F-4D97-AF65-F5344CB8AC3E}">
@@ -7027,7 +7148,7 @@
           <a:p>
             <a:fld id="{BE0A88F0-556B-4BB7-8AAB-D63AEB65C662}" type="datetime1">
               <a:rPr lang="en-US" smtClean="0"/>
-              <a:t>10/25/2021</a:t>
+              <a:t>10/27/2021</a:t>
             </a:fld>
             <a:endParaRPr lang="en-US"/>
           </a:p>
@@ -7187,7 +7308,7 @@
           <a:p>
             <a:fld id="{BE0A88F0-556B-4BB7-8AAB-D63AEB65C662}" type="datetime1">
               <a:rPr lang="en-US" smtClean="0"/>
-              <a:t>10/25/2021</a:t>
+              <a:t>10/27/2021</a:t>
             </a:fld>
             <a:endParaRPr lang="en-US"/>
           </a:p>

--- a/mfarm/Project-4.pptx
+++ b/mfarm/Project-4.pptx
@@ -123,7 +123,7 @@
 <file path=ppt/revisionInfo.xml><?xml version="1.0" encoding="utf-8"?>
 <p1510:revInfo xmlns:a="http://schemas.openxmlformats.org/drawingml/2006/main" xmlns:r="http://schemas.openxmlformats.org/officeDocument/2006/relationships" xmlns:p1510="http://schemas.microsoft.com/office/powerpoint/2015/10/main">
   <p1510:revLst>
-    <p1510:client id="{E25EFC7A-BAD6-4E77-A37C-B78D98B20494}" v="9" dt="2021-10-28T03:28:22.733"/>
+    <p1510:client id="{E25EFC7A-BAD6-4E77-A37C-B78D98B20494}" v="10" dt="2021-10-28T03:30:13.301"/>
   </p1510:revLst>
 </p1510:revInfo>
 </file>
@@ -133,7 +133,7 @@
   <pc:docChgLst>
     <pc:chgData name="Michael Farm" userId="f6dc6ede-c944-4ef2-8370-dc2a56a49865" providerId="ADAL" clId="{E25EFC7A-BAD6-4E77-A37C-B78D98B20494}"/>
     <pc:docChg chg="modSld">
-      <pc:chgData name="Michael Farm" userId="f6dc6ede-c944-4ef2-8370-dc2a56a49865" providerId="ADAL" clId="{E25EFC7A-BAD6-4E77-A37C-B78D98B20494}" dt="2021-10-28T03:28:30.825" v="103" actId="1076"/>
+      <pc:chgData name="Michael Farm" userId="f6dc6ede-c944-4ef2-8370-dc2a56a49865" providerId="ADAL" clId="{E25EFC7A-BAD6-4E77-A37C-B78D98B20494}" dt="2021-10-28T03:30:30.694" v="153" actId="20577"/>
       <pc:docMkLst>
         <pc:docMk/>
       </pc:docMkLst>
@@ -177,11 +177,19 @@
         </pc:picChg>
       </pc:sldChg>
       <pc:sldChg chg="addSp modSp mod">
-        <pc:chgData name="Michael Farm" userId="f6dc6ede-c944-4ef2-8370-dc2a56a49865" providerId="ADAL" clId="{E25EFC7A-BAD6-4E77-A37C-B78D98B20494}" dt="2021-10-28T03:28:30.825" v="103" actId="1076"/>
+        <pc:chgData name="Michael Farm" userId="f6dc6ede-c944-4ef2-8370-dc2a56a49865" providerId="ADAL" clId="{E25EFC7A-BAD6-4E77-A37C-B78D98B20494}" dt="2021-10-28T03:30:30.694" v="153" actId="20577"/>
         <pc:sldMkLst>
           <pc:docMk/>
           <pc:sldMk cId="3066507981" sldId="264"/>
         </pc:sldMkLst>
+        <pc:spChg chg="add mod">
+          <ac:chgData name="Michael Farm" userId="f6dc6ede-c944-4ef2-8370-dc2a56a49865" providerId="ADAL" clId="{E25EFC7A-BAD6-4E77-A37C-B78D98B20494}" dt="2021-10-28T03:30:30.694" v="153" actId="20577"/>
+          <ac:spMkLst>
+            <pc:docMk/>
+            <pc:sldMk cId="3066507981" sldId="264"/>
+            <ac:spMk id="10" creationId="{2EB44019-A429-42CF-98EF-AA96823B6E4E}"/>
+          </ac:spMkLst>
+        </pc:spChg>
         <pc:picChg chg="add mod">
           <ac:chgData name="Michael Farm" userId="f6dc6ede-c944-4ef2-8370-dc2a56a49865" providerId="ADAL" clId="{E25EFC7A-BAD6-4E77-A37C-B78D98B20494}" dt="2021-10-28T03:27:59.926" v="96" actId="1076"/>
           <ac:picMkLst>
@@ -7040,6 +7048,67 @@
           </a:prstGeom>
         </p:spPr>
       </p:pic>
+      <p:sp>
+        <p:nvSpPr>
+          <p:cNvPr id="10" name="TextBox 9">
+            <a:extLst>
+              <a:ext uri="{FF2B5EF4-FFF2-40B4-BE49-F238E27FC236}">
+                <a16:creationId xmlns:a16="http://schemas.microsoft.com/office/drawing/2014/main" id="{2EB44019-A429-42CF-98EF-AA96823B6E4E}"/>
+              </a:ext>
+            </a:extLst>
+          </p:cNvPr>
+          <p:cNvSpPr txBox="1"/>
+          <p:nvPr/>
+        </p:nvSpPr>
+        <p:spPr>
+          <a:xfrm>
+            <a:off x="838199" y="1480081"/>
+            <a:ext cx="7334251" cy="307777"/>
+          </a:xfrm>
+          <a:prstGeom prst="rect">
+            <a:avLst/>
+          </a:prstGeom>
+          <a:noFill/>
+        </p:spPr>
+        <p:txBody>
+          <a:bodyPr wrap="square">
+            <a:spAutoFit/>
+          </a:bodyPr>
+          <a:lstStyle/>
+          <a:p>
+            <a:r>
+              <a:rPr lang="en-US" sz="1400" dirty="0">
+                <a:solidFill>
+                  <a:schemeClr val="accent1"/>
+                </a:solidFill>
+                <a:latin typeface="+mj-lt"/>
+                <a:ea typeface="+mj-ea"/>
+                <a:cs typeface="+mj-cs"/>
+              </a:rPr>
+              <a:t>Random Forest Classifier and </a:t>
+            </a:r>
+            <a:r>
+              <a:rPr lang="en-US" sz="1400">
+                <a:solidFill>
+                  <a:schemeClr val="accent1"/>
+                </a:solidFill>
+                <a:latin typeface="+mj-lt"/>
+                <a:ea typeface="+mj-ea"/>
+                <a:cs typeface="+mj-cs"/>
+              </a:rPr>
+              <a:t>Feature Importance</a:t>
+            </a:r>
+            <a:endParaRPr lang="en-US" sz="1400" dirty="0">
+              <a:solidFill>
+                <a:schemeClr val="accent1"/>
+              </a:solidFill>
+              <a:latin typeface="+mj-lt"/>
+              <a:ea typeface="+mj-ea"/>
+              <a:cs typeface="+mj-cs"/>
+            </a:endParaRPr>
+          </a:p>
+        </p:txBody>
+      </p:sp>
     </p:spTree>
     <p:extLst>
       <p:ext uri="{BB962C8B-B14F-4D97-AF65-F5344CB8AC3E}">

--- a/mfarm/Project-4.pptx
+++ b/mfarm/Project-4.pptx
@@ -12,7 +12,7 @@
     <p:sldId id="260" r:id="rId6"/>
     <p:sldId id="265" r:id="rId7"/>
     <p:sldId id="264" r:id="rId8"/>
-    <p:sldId id="261" r:id="rId9"/>
+    <p:sldId id="266" r:id="rId9"/>
     <p:sldId id="262" r:id="rId10"/>
   </p:sldIdLst>
   <p:sldSz cx="12192000" cy="6858000"/>
@@ -123,7 +123,7 @@
 <file path=ppt/revisionInfo.xml><?xml version="1.0" encoding="utf-8"?>
 <p1510:revInfo xmlns:a="http://schemas.openxmlformats.org/drawingml/2006/main" xmlns:r="http://schemas.openxmlformats.org/officeDocument/2006/relationships" xmlns:p1510="http://schemas.microsoft.com/office/powerpoint/2015/10/main">
   <p1510:revLst>
-    <p1510:client id="{E25EFC7A-BAD6-4E77-A37C-B78D98B20494}" v="10" dt="2021-10-28T03:30:13.301"/>
+    <p1510:client id="{E25EFC7A-BAD6-4E77-A37C-B78D98B20494}" v="15" dt="2021-10-28T03:55:57.443"/>
   </p1510:revLst>
 </p1510:revInfo>
 </file>
@@ -132,11 +132,26 @@
 <pc:chgInfo xmlns:a="http://schemas.openxmlformats.org/drawingml/2006/main" xmlns:r="http://schemas.openxmlformats.org/officeDocument/2006/relationships" xmlns:ac="http://schemas.microsoft.com/office/drawing/2013/main/command" xmlns:pc="http://schemas.microsoft.com/office/powerpoint/2013/main/command">
   <pc:docChgLst>
     <pc:chgData name="Michael Farm" userId="f6dc6ede-c944-4ef2-8370-dc2a56a49865" providerId="ADAL" clId="{E25EFC7A-BAD6-4E77-A37C-B78D98B20494}"/>
-    <pc:docChg chg="modSld">
-      <pc:chgData name="Michael Farm" userId="f6dc6ede-c944-4ef2-8370-dc2a56a49865" providerId="ADAL" clId="{E25EFC7A-BAD6-4E77-A37C-B78D98B20494}" dt="2021-10-28T03:30:30.694" v="153" actId="20577"/>
+    <pc:docChg chg="custSel addSld delSld modSld">
+      <pc:chgData name="Michael Farm" userId="f6dc6ede-c944-4ef2-8370-dc2a56a49865" providerId="ADAL" clId="{E25EFC7A-BAD6-4E77-A37C-B78D98B20494}" dt="2021-10-28T04:03:04.820" v="701" actId="20577"/>
       <pc:docMkLst>
         <pc:docMk/>
       </pc:docMkLst>
+      <pc:sldChg chg="modSp mod">
+        <pc:chgData name="Michael Farm" userId="f6dc6ede-c944-4ef2-8370-dc2a56a49865" providerId="ADAL" clId="{E25EFC7A-BAD6-4E77-A37C-B78D98B20494}" dt="2021-10-28T03:35:34.676" v="184" actId="12"/>
+        <pc:sldMkLst>
+          <pc:docMk/>
+          <pc:sldMk cId="3691194211" sldId="258"/>
+        </pc:sldMkLst>
+        <pc:spChg chg="mod">
+          <ac:chgData name="Michael Farm" userId="f6dc6ede-c944-4ef2-8370-dc2a56a49865" providerId="ADAL" clId="{E25EFC7A-BAD6-4E77-A37C-B78D98B20494}" dt="2021-10-28T03:35:34.676" v="184" actId="12"/>
+          <ac:spMkLst>
+            <pc:docMk/>
+            <pc:sldMk cId="3691194211" sldId="258"/>
+            <ac:spMk id="3" creationId="{1948DA69-DA6E-410A-A58F-4A3B590741FA}"/>
+          </ac:spMkLst>
+        </pc:spChg>
+      </pc:sldChg>
       <pc:sldChg chg="addSp modSp mod">
         <pc:chgData name="Michael Farm" userId="f6dc6ede-c944-4ef2-8370-dc2a56a49865" providerId="ADAL" clId="{E25EFC7A-BAD6-4E77-A37C-B78D98B20494}" dt="2021-10-26T03:58:03.196" v="90" actId="20577"/>
         <pc:sldMkLst>
@@ -176,8 +191,38 @@
           </ac:picMkLst>
         </pc:picChg>
       </pc:sldChg>
-      <pc:sldChg chg="addSp modSp mod">
-        <pc:chgData name="Michael Farm" userId="f6dc6ede-c944-4ef2-8370-dc2a56a49865" providerId="ADAL" clId="{E25EFC7A-BAD6-4E77-A37C-B78D98B20494}" dt="2021-10-28T03:30:30.694" v="153" actId="20577"/>
+      <pc:sldChg chg="del">
+        <pc:chgData name="Michael Farm" userId="f6dc6ede-c944-4ef2-8370-dc2a56a49865" providerId="ADAL" clId="{E25EFC7A-BAD6-4E77-A37C-B78D98B20494}" dt="2021-10-28T03:35:50.968" v="185" actId="47"/>
+        <pc:sldMkLst>
+          <pc:docMk/>
+          <pc:sldMk cId="1454893401" sldId="261"/>
+        </pc:sldMkLst>
+      </pc:sldChg>
+      <pc:sldChg chg="addSp delSp modSp mod">
+        <pc:chgData name="Michael Farm" userId="f6dc6ede-c944-4ef2-8370-dc2a56a49865" providerId="ADAL" clId="{E25EFC7A-BAD6-4E77-A37C-B78D98B20494}" dt="2021-10-28T04:03:04.820" v="701" actId="20577"/>
+        <pc:sldMkLst>
+          <pc:docMk/>
+          <pc:sldMk cId="3193756003" sldId="262"/>
+        </pc:sldMkLst>
+        <pc:spChg chg="add del mod">
+          <ac:chgData name="Michael Farm" userId="f6dc6ede-c944-4ef2-8370-dc2a56a49865" providerId="ADAL" clId="{E25EFC7A-BAD6-4E77-A37C-B78D98B20494}" dt="2021-10-28T03:55:47.910" v="218"/>
+          <ac:spMkLst>
+            <pc:docMk/>
+            <pc:sldMk cId="3193756003" sldId="262"/>
+            <ac:spMk id="3" creationId="{8ACC9749-5E49-47D4-A991-D636960997C0}"/>
+          </ac:spMkLst>
+        </pc:spChg>
+        <pc:spChg chg="add mod">
+          <ac:chgData name="Michael Farm" userId="f6dc6ede-c944-4ef2-8370-dc2a56a49865" providerId="ADAL" clId="{E25EFC7A-BAD6-4E77-A37C-B78D98B20494}" dt="2021-10-28T04:03:04.820" v="701" actId="20577"/>
+          <ac:spMkLst>
+            <pc:docMk/>
+            <pc:sldMk cId="3193756003" sldId="262"/>
+            <ac:spMk id="7" creationId="{94EB8A6A-8C9D-4AEA-B618-CCC2A4EB5F7A}"/>
+          </ac:spMkLst>
+        </pc:spChg>
+      </pc:sldChg>
+      <pc:sldChg chg="addSp delSp modSp mod">
+        <pc:chgData name="Michael Farm" userId="f6dc6ede-c944-4ef2-8370-dc2a56a49865" providerId="ADAL" clId="{E25EFC7A-BAD6-4E77-A37C-B78D98B20494}" dt="2021-10-28T03:52:18.042" v="210" actId="1076"/>
         <pc:sldMkLst>
           <pc:docMk/>
           <pc:sldMk cId="3066507981" sldId="264"/>
@@ -198,20 +243,36 @@
             <ac:picMk id="3" creationId="{3685527C-4432-44CE-8F26-3D37B2D1D642}"/>
           </ac:picMkLst>
         </pc:picChg>
-        <pc:picChg chg="add mod">
-          <ac:chgData name="Michael Farm" userId="f6dc6ede-c944-4ef2-8370-dc2a56a49865" providerId="ADAL" clId="{E25EFC7A-BAD6-4E77-A37C-B78D98B20494}" dt="2021-10-28T03:28:09.946" v="98" actId="1076"/>
+        <pc:picChg chg="add del mod">
+          <ac:chgData name="Michael Farm" userId="f6dc6ede-c944-4ef2-8370-dc2a56a49865" providerId="ADAL" clId="{E25EFC7A-BAD6-4E77-A37C-B78D98B20494}" dt="2021-10-28T03:51:42.308" v="196" actId="478"/>
           <ac:picMkLst>
             <pc:docMk/>
             <pc:sldMk cId="3066507981" sldId="264"/>
             <ac:picMk id="8" creationId="{A3E203DC-33E9-4115-917B-0861FAA85B6C}"/>
           </ac:picMkLst>
         </pc:picChg>
-        <pc:picChg chg="add mod">
-          <ac:chgData name="Michael Farm" userId="f6dc6ede-c944-4ef2-8370-dc2a56a49865" providerId="ADAL" clId="{E25EFC7A-BAD6-4E77-A37C-B78D98B20494}" dt="2021-10-28T03:28:30.825" v="103" actId="1076"/>
+        <pc:picChg chg="add del mod">
+          <ac:chgData name="Michael Farm" userId="f6dc6ede-c944-4ef2-8370-dc2a56a49865" providerId="ADAL" clId="{E25EFC7A-BAD6-4E77-A37C-B78D98B20494}" dt="2021-10-28T03:51:42.859" v="197" actId="478"/>
           <ac:picMkLst>
             <pc:docMk/>
             <pc:sldMk cId="3066507981" sldId="264"/>
             <ac:picMk id="9" creationId="{AE870D51-8CD6-48D5-A2D1-6420C985076E}"/>
+          </ac:picMkLst>
+        </pc:picChg>
+        <pc:picChg chg="add del mod">
+          <ac:chgData name="Michael Farm" userId="f6dc6ede-c944-4ef2-8370-dc2a56a49865" providerId="ADAL" clId="{E25EFC7A-BAD6-4E77-A37C-B78D98B20494}" dt="2021-10-28T03:52:00.249" v="201" actId="21"/>
+          <ac:picMkLst>
+            <pc:docMk/>
+            <pc:sldMk cId="3066507981" sldId="264"/>
+            <ac:picMk id="11" creationId="{B8F570BA-DAAF-4D0A-AF25-BF65FF1FAE7A}"/>
+          </ac:picMkLst>
+        </pc:picChg>
+        <pc:picChg chg="add mod">
+          <ac:chgData name="Michael Farm" userId="f6dc6ede-c944-4ef2-8370-dc2a56a49865" providerId="ADAL" clId="{E25EFC7A-BAD6-4E77-A37C-B78D98B20494}" dt="2021-10-28T03:52:18.042" v="210" actId="1076"/>
+          <ac:picMkLst>
+            <pc:docMk/>
+            <pc:sldMk cId="3066507981" sldId="264"/>
+            <ac:picMk id="12" creationId="{D7C5314B-3750-4F28-A321-C44EF6EC8B02}"/>
           </ac:picMkLst>
         </pc:picChg>
       </pc:sldChg>
@@ -259,6 +320,61 @@
             <pc:docMk/>
             <pc:sldMk cId="2501676307" sldId="265"/>
             <ac:picMk id="11" creationId="{73D97244-89D5-4608-96F4-81F6DD47610F}"/>
+          </ac:picMkLst>
+        </pc:picChg>
+      </pc:sldChg>
+      <pc:sldChg chg="addSp delSp modSp add mod">
+        <pc:chgData name="Michael Farm" userId="f6dc6ede-c944-4ef2-8370-dc2a56a49865" providerId="ADAL" clId="{E25EFC7A-BAD6-4E77-A37C-B78D98B20494}" dt="2021-10-28T03:53:07.858" v="215" actId="1076"/>
+        <pc:sldMkLst>
+          <pc:docMk/>
+          <pc:sldMk cId="1814835804" sldId="266"/>
+        </pc:sldMkLst>
+        <pc:picChg chg="del">
+          <ac:chgData name="Michael Farm" userId="f6dc6ede-c944-4ef2-8370-dc2a56a49865" providerId="ADAL" clId="{E25EFC7A-BAD6-4E77-A37C-B78D98B20494}" dt="2021-10-28T03:51:39.146" v="194" actId="478"/>
+          <ac:picMkLst>
+            <pc:docMk/>
+            <pc:sldMk cId="1814835804" sldId="266"/>
+            <ac:picMk id="3" creationId="{3685527C-4432-44CE-8F26-3D37B2D1D642}"/>
+          </ac:picMkLst>
+        </pc:picChg>
+        <pc:picChg chg="del">
+          <ac:chgData name="Michael Farm" userId="f6dc6ede-c944-4ef2-8370-dc2a56a49865" providerId="ADAL" clId="{E25EFC7A-BAD6-4E77-A37C-B78D98B20494}" dt="2021-10-28T03:51:37.835" v="193" actId="478"/>
+          <ac:picMkLst>
+            <pc:docMk/>
+            <pc:sldMk cId="1814835804" sldId="266"/>
+            <ac:picMk id="8" creationId="{A3E203DC-33E9-4115-917B-0861FAA85B6C}"/>
+          </ac:picMkLst>
+        </pc:picChg>
+        <pc:picChg chg="del">
+          <ac:chgData name="Michael Farm" userId="f6dc6ede-c944-4ef2-8370-dc2a56a49865" providerId="ADAL" clId="{E25EFC7A-BAD6-4E77-A37C-B78D98B20494}" dt="2021-10-28T03:52:06.566" v="205" actId="21"/>
+          <ac:picMkLst>
+            <pc:docMk/>
+            <pc:sldMk cId="1814835804" sldId="266"/>
+            <ac:picMk id="9" creationId="{AE870D51-8CD6-48D5-A2D1-6420C985076E}"/>
+          </ac:picMkLst>
+        </pc:picChg>
+        <pc:picChg chg="del">
+          <ac:chgData name="Michael Farm" userId="f6dc6ede-c944-4ef2-8370-dc2a56a49865" providerId="ADAL" clId="{E25EFC7A-BAD6-4E77-A37C-B78D98B20494}" dt="2021-10-28T03:51:40.703" v="195" actId="478"/>
+          <ac:picMkLst>
+            <pc:docMk/>
+            <pc:sldMk cId="1814835804" sldId="266"/>
+            <ac:picMk id="11" creationId="{B8F570BA-DAAF-4D0A-AF25-BF65FF1FAE7A}"/>
+          </ac:picMkLst>
+        </pc:picChg>
+        <pc:picChg chg="add mod">
+          <ac:chgData name="Michael Farm" userId="f6dc6ede-c944-4ef2-8370-dc2a56a49865" providerId="ADAL" clId="{E25EFC7A-BAD6-4E77-A37C-B78D98B20494}" dt="2021-10-28T03:53:07.858" v="215" actId="1076"/>
+          <ac:picMkLst>
+            <pc:docMk/>
+            <pc:sldMk cId="1814835804" sldId="266"/>
+            <ac:picMk id="12" creationId="{5E2275BA-3F95-4D71-B345-BF50DC451D2F}"/>
+          </ac:picMkLst>
+        </pc:picChg>
+        <pc:picChg chg="add mod">
+          <ac:chgData name="Michael Farm" userId="f6dc6ede-c944-4ef2-8370-dc2a56a49865" providerId="ADAL" clId="{E25EFC7A-BAD6-4E77-A37C-B78D98B20494}" dt="2021-10-28T03:53:01.972" v="214" actId="1076"/>
+          <ac:picMkLst>
+            <pc:docMk/>
+            <pc:sldMk cId="1814835804" sldId="266"/>
+            <ac:picMk id="13" creationId="{91DC76A5-527E-4042-BC71-F05077E48DE4}"/>
           </ac:picMkLst>
         </pc:picChg>
       </pc:sldChg>
@@ -5156,9 +5272,38 @@
             </a:r>
           </a:p>
           <a:p>
+            <a:pPr lvl="1">
+              <a:buFont typeface="Courier New" panose="02070309020205020404" pitchFamily="49" charset="0"/>
+              <a:buChar char="o"/>
+            </a:pPr>
             <a:r>
               <a:rPr lang="en-US" dirty="0"/>
-              <a:t>Optimizing the Model</a:t>
+              <a:t>Neural Network Model</a:t>
+            </a:r>
+          </a:p>
+          <a:p>
+            <a:pPr lvl="1">
+              <a:buFont typeface="Courier New" panose="02070309020205020404" pitchFamily="49" charset="0"/>
+              <a:buChar char="o"/>
+            </a:pPr>
+            <a:r>
+              <a:rPr lang="en-US" dirty="0"/>
+              <a:t>Principal Component Analysis - Visualization of clusters with </a:t>
+            </a:r>
+            <a:r>
+              <a:rPr lang="en-US" dirty="0" err="1"/>
+              <a:t>KMeans</a:t>
+            </a:r>
+            <a:endParaRPr lang="en-US" dirty="0"/>
+          </a:p>
+          <a:p>
+            <a:pPr lvl="1">
+              <a:buFont typeface="Courier New" panose="02070309020205020404" pitchFamily="49" charset="0"/>
+              <a:buChar char="o"/>
+            </a:pPr>
+            <a:r>
+              <a:rPr lang="en-US" dirty="0"/>
+              <a:t>Random Forest Classifier and Feature Importance</a:t>
             </a:r>
           </a:p>
           <a:p>
@@ -6379,15 +6524,7 @@
                   <a:schemeClr val="accent1"/>
                 </a:solidFill>
               </a:rPr>
-              <a:t>Trial and error to add more neurons and layers, and different configurations of activation functions were attempted in order to increase the model </a:t>
-            </a:r>
-            <a:r>
-              <a:rPr lang="en-US" sz="1600">
-                <a:solidFill>
-                  <a:schemeClr val="accent1"/>
-                </a:solidFill>
-              </a:rPr>
-              <a:t>performance.</a:t>
+              <a:t>Trial and error to add more neurons and layers, and different configurations of activation functions were attempted in order to increase the model performance.</a:t>
             </a:r>
             <a:br>
               <a:rPr lang="en-US" sz="1600" dirty="0">
@@ -6988,12 +7125,54 @@
           </a:prstGeom>
         </p:spPr>
       </p:pic>
+      <p:sp>
+        <p:nvSpPr>
+          <p:cNvPr id="10" name="TextBox 9">
+            <a:extLst>
+              <a:ext uri="{FF2B5EF4-FFF2-40B4-BE49-F238E27FC236}">
+                <a16:creationId xmlns:a16="http://schemas.microsoft.com/office/drawing/2014/main" id="{2EB44019-A429-42CF-98EF-AA96823B6E4E}"/>
+              </a:ext>
+            </a:extLst>
+          </p:cNvPr>
+          <p:cNvSpPr txBox="1"/>
+          <p:nvPr/>
+        </p:nvSpPr>
+        <p:spPr>
+          <a:xfrm>
+            <a:off x="838199" y="1480081"/>
+            <a:ext cx="7334251" cy="307777"/>
+          </a:xfrm>
+          <a:prstGeom prst="rect">
+            <a:avLst/>
+          </a:prstGeom>
+          <a:noFill/>
+        </p:spPr>
+        <p:txBody>
+          <a:bodyPr wrap="square">
+            <a:spAutoFit/>
+          </a:bodyPr>
+          <a:lstStyle/>
+          <a:p>
+            <a:r>
+              <a:rPr lang="en-US" sz="1400" dirty="0">
+                <a:solidFill>
+                  <a:schemeClr val="accent1"/>
+                </a:solidFill>
+                <a:latin typeface="+mj-lt"/>
+                <a:ea typeface="+mj-ea"/>
+                <a:cs typeface="+mj-cs"/>
+              </a:rPr>
+              <a:t>Random Forest Classifier and Feature Importance</a:t>
+            </a:r>
+          </a:p>
+        </p:txBody>
+      </p:sp>
       <p:pic>
         <p:nvPicPr>
-          <p:cNvPr id="8" name="Picture 7">
-            <a:extLst>
-              <a:ext uri="{FF2B5EF4-FFF2-40B4-BE49-F238E27FC236}">
-                <a16:creationId xmlns:a16="http://schemas.microsoft.com/office/drawing/2014/main" id="{A3E203DC-33E9-4115-917B-0861FAA85B6C}"/>
+          <p:cNvPr id="12" name="Picture 11">
+            <a:extLst>
+              <a:ext uri="{FF2B5EF4-FFF2-40B4-BE49-F238E27FC236}">
+                <a16:creationId xmlns:a16="http://schemas.microsoft.com/office/drawing/2014/main" id="{D7C5314B-3750-4F28-A321-C44EF6EC8B02}"/>
               </a:ext>
             </a:extLst>
           </p:cNvPr>
@@ -7010,105 +7189,14 @@
         </p:blipFill>
         <p:spPr>
           <a:xfrm>
-            <a:off x="5601836" y="1955275"/>
-            <a:ext cx="2514286" cy="4028571"/>
+            <a:off x="5651807" y="2110775"/>
+            <a:ext cx="2683975" cy="2218034"/>
           </a:xfrm>
           <a:prstGeom prst="rect">
             <a:avLst/>
           </a:prstGeom>
         </p:spPr>
       </p:pic>
-      <p:pic>
-        <p:nvPicPr>
-          <p:cNvPr id="9" name="Picture 8">
-            <a:extLst>
-              <a:ext uri="{FF2B5EF4-FFF2-40B4-BE49-F238E27FC236}">
-                <a16:creationId xmlns:a16="http://schemas.microsoft.com/office/drawing/2014/main" id="{AE870D51-8CD6-48D5-A2D1-6420C985076E}"/>
-              </a:ext>
-            </a:extLst>
-          </p:cNvPr>
-          <p:cNvPicPr>
-            <a:picLocks noChangeAspect="1"/>
-          </p:cNvPicPr>
-          <p:nvPr/>
-        </p:nvPicPr>
-        <p:blipFill>
-          <a:blip r:embed="rId4"/>
-          <a:stretch>
-            <a:fillRect/>
-          </a:stretch>
-        </p:blipFill>
-        <p:spPr>
-          <a:xfrm>
-            <a:off x="8163427" y="1955275"/>
-            <a:ext cx="2514287" cy="2077804"/>
-          </a:xfrm>
-          <a:prstGeom prst="rect">
-            <a:avLst/>
-          </a:prstGeom>
-        </p:spPr>
-      </p:pic>
-      <p:sp>
-        <p:nvSpPr>
-          <p:cNvPr id="10" name="TextBox 9">
-            <a:extLst>
-              <a:ext uri="{FF2B5EF4-FFF2-40B4-BE49-F238E27FC236}">
-                <a16:creationId xmlns:a16="http://schemas.microsoft.com/office/drawing/2014/main" id="{2EB44019-A429-42CF-98EF-AA96823B6E4E}"/>
-              </a:ext>
-            </a:extLst>
-          </p:cNvPr>
-          <p:cNvSpPr txBox="1"/>
-          <p:nvPr/>
-        </p:nvSpPr>
-        <p:spPr>
-          <a:xfrm>
-            <a:off x="838199" y="1480081"/>
-            <a:ext cx="7334251" cy="307777"/>
-          </a:xfrm>
-          <a:prstGeom prst="rect">
-            <a:avLst/>
-          </a:prstGeom>
-          <a:noFill/>
-        </p:spPr>
-        <p:txBody>
-          <a:bodyPr wrap="square">
-            <a:spAutoFit/>
-          </a:bodyPr>
-          <a:lstStyle/>
-          <a:p>
-            <a:r>
-              <a:rPr lang="en-US" sz="1400" dirty="0">
-                <a:solidFill>
-                  <a:schemeClr val="accent1"/>
-                </a:solidFill>
-                <a:latin typeface="+mj-lt"/>
-                <a:ea typeface="+mj-ea"/>
-                <a:cs typeface="+mj-cs"/>
-              </a:rPr>
-              <a:t>Random Forest Classifier and </a:t>
-            </a:r>
-            <a:r>
-              <a:rPr lang="en-US" sz="1400">
-                <a:solidFill>
-                  <a:schemeClr val="accent1"/>
-                </a:solidFill>
-                <a:latin typeface="+mj-lt"/>
-                <a:ea typeface="+mj-ea"/>
-                <a:cs typeface="+mj-cs"/>
-              </a:rPr>
-              <a:t>Feature Importance</a:t>
-            </a:r>
-            <a:endParaRPr lang="en-US" sz="1400" dirty="0">
-              <a:solidFill>
-                <a:schemeClr val="accent1"/>
-              </a:solidFill>
-              <a:latin typeface="+mj-lt"/>
-              <a:ea typeface="+mj-ea"/>
-              <a:cs typeface="+mj-cs"/>
-            </a:endParaRPr>
-          </a:p>
-        </p:txBody>
-      </p:sp>
     </p:spTree>
     <p:extLst>
       <p:ext uri="{BB962C8B-B14F-4D97-AF65-F5344CB8AC3E}">
@@ -7144,7 +7232,7 @@
           <p:cNvPr id="2" name="Title 1">
             <a:extLst>
               <a:ext uri="{FF2B5EF4-FFF2-40B4-BE49-F238E27FC236}">
-                <a16:creationId xmlns:a16="http://schemas.microsoft.com/office/drawing/2014/main" id="{94BE5D31-3CC7-47FB-B107-6C55F09ED578}"/>
+                <a16:creationId xmlns:a16="http://schemas.microsoft.com/office/drawing/2014/main" id="{7F42AF20-BE6C-4E90-8C0A-3DA11F27AF76}"/>
               </a:ext>
             </a:extLst>
           </p:cNvPr>
@@ -7164,33 +7252,9 @@
           <a:p>
             <a:r>
               <a:rPr lang="en-US" sz="2800" dirty="0"/>
-              <a:t>Optimizing the Model</a:t>
-            </a:r>
-          </a:p>
-        </p:txBody>
-      </p:sp>
-      <p:sp>
-        <p:nvSpPr>
-          <p:cNvPr id="3" name="Content Placeholder 2">
-            <a:extLst>
-              <a:ext uri="{FF2B5EF4-FFF2-40B4-BE49-F238E27FC236}">
-                <a16:creationId xmlns:a16="http://schemas.microsoft.com/office/drawing/2014/main" id="{04875000-5DD0-4989-99FF-7E758F09D57B}"/>
-              </a:ext>
-            </a:extLst>
-          </p:cNvPr>
-          <p:cNvSpPr>
-            <a:spLocks noGrp="1"/>
-          </p:cNvSpPr>
-          <p:nvPr>
-            <p:ph idx="1"/>
-          </p:nvPr>
-        </p:nvSpPr>
-        <p:spPr/>
-        <p:txBody>
-          <a:bodyPr/>
-          <a:lstStyle/>
-          <a:p>
-            <a:endParaRPr lang="en-US"/>
+              <a:t>Compiling, Training, and Evaluating the Model</a:t>
+            </a:r>
+            <a:endParaRPr lang="en-US" sz="3600" dirty="0"/>
           </a:p>
         </p:txBody>
       </p:sp>
@@ -7199,7 +7263,7 @@
           <p:cNvPr id="4" name="Date Placeholder 3">
             <a:extLst>
               <a:ext uri="{FF2B5EF4-FFF2-40B4-BE49-F238E27FC236}">
-                <a16:creationId xmlns:a16="http://schemas.microsoft.com/office/drawing/2014/main" id="{5B9B5A71-5C50-4A97-93D8-967E12A2E22A}"/>
+                <a16:creationId xmlns:a16="http://schemas.microsoft.com/office/drawing/2014/main" id="{42E0FCD8-F7E2-45E0-BED5-0068F91D554A}"/>
               </a:ext>
             </a:extLst>
           </p:cNvPr>
@@ -7228,7 +7292,7 @@
           <p:cNvPr id="5" name="Footer Placeholder 4">
             <a:extLst>
               <a:ext uri="{FF2B5EF4-FFF2-40B4-BE49-F238E27FC236}">
-                <a16:creationId xmlns:a16="http://schemas.microsoft.com/office/drawing/2014/main" id="{7E280D93-75DE-444B-AA63-FA714F9B1726}"/>
+                <a16:creationId xmlns:a16="http://schemas.microsoft.com/office/drawing/2014/main" id="{23E8EC2B-D9FA-4177-9748-B38F7A73E5E4}"/>
               </a:ext>
             </a:extLst>
           </p:cNvPr>
@@ -7271,7 +7335,7 @@
           <p:cNvPr id="6" name="Slide Number Placeholder 5">
             <a:extLst>
               <a:ext uri="{FF2B5EF4-FFF2-40B4-BE49-F238E27FC236}">
-                <a16:creationId xmlns:a16="http://schemas.microsoft.com/office/drawing/2014/main" id="{C22125E5-2583-463C-B946-7CE2ECD448DC}"/>
+                <a16:creationId xmlns:a16="http://schemas.microsoft.com/office/drawing/2014/main" id="{F9FCF8DA-6708-4A3B-81D4-2F493A9E1B1D}"/>
               </a:ext>
             </a:extLst>
           </p:cNvPr>
@@ -7295,10 +7359,118 @@
           </a:p>
         </p:txBody>
       </p:sp>
+      <p:sp>
+        <p:nvSpPr>
+          <p:cNvPr id="10" name="TextBox 9">
+            <a:extLst>
+              <a:ext uri="{FF2B5EF4-FFF2-40B4-BE49-F238E27FC236}">
+                <a16:creationId xmlns:a16="http://schemas.microsoft.com/office/drawing/2014/main" id="{2EB44019-A429-42CF-98EF-AA96823B6E4E}"/>
+              </a:ext>
+            </a:extLst>
+          </p:cNvPr>
+          <p:cNvSpPr txBox="1"/>
+          <p:nvPr/>
+        </p:nvSpPr>
+        <p:spPr>
+          <a:xfrm>
+            <a:off x="838199" y="1480081"/>
+            <a:ext cx="7334251" cy="307777"/>
+          </a:xfrm>
+          <a:prstGeom prst="rect">
+            <a:avLst/>
+          </a:prstGeom>
+          <a:noFill/>
+        </p:spPr>
+        <p:txBody>
+          <a:bodyPr wrap="square">
+            <a:spAutoFit/>
+          </a:bodyPr>
+          <a:lstStyle/>
+          <a:p>
+            <a:r>
+              <a:rPr lang="en-US" sz="1400" dirty="0">
+                <a:solidFill>
+                  <a:schemeClr val="accent1"/>
+                </a:solidFill>
+                <a:latin typeface="+mj-lt"/>
+                <a:ea typeface="+mj-ea"/>
+                <a:cs typeface="+mj-cs"/>
+              </a:rPr>
+              <a:t>Random Forest Classifier and Feature Importance</a:t>
+            </a:r>
+          </a:p>
+        </p:txBody>
+      </p:sp>
+      <p:pic>
+        <p:nvPicPr>
+          <p:cNvPr id="12" name="Picture 11" descr="Chart, bar chart&#10;&#10;Description automatically generated">
+            <a:extLst>
+              <a:ext uri="{FF2B5EF4-FFF2-40B4-BE49-F238E27FC236}">
+                <a16:creationId xmlns:a16="http://schemas.microsoft.com/office/drawing/2014/main" id="{5E2275BA-3F95-4D71-B345-BF50DC451D2F}"/>
+              </a:ext>
+            </a:extLst>
+          </p:cNvPr>
+          <p:cNvPicPr>
+            <a:picLocks noChangeAspect="1"/>
+          </p:cNvPicPr>
+          <p:nvPr/>
+        </p:nvPicPr>
+        <p:blipFill>
+          <a:blip r:embed="rId2">
+            <a:extLst>
+              <a:ext uri="{28A0092B-C50C-407E-A947-70E740481C1C}">
+                <a14:useLocalDpi xmlns:a14="http://schemas.microsoft.com/office/drawing/2010/main" val="0"/>
+              </a:ext>
+            </a:extLst>
+          </a:blip>
+          <a:stretch>
+            <a:fillRect/>
+          </a:stretch>
+        </p:blipFill>
+        <p:spPr>
+          <a:xfrm>
+            <a:off x="5601836" y="2105292"/>
+            <a:ext cx="5073901" cy="3717573"/>
+          </a:xfrm>
+          <a:prstGeom prst="rect">
+            <a:avLst/>
+          </a:prstGeom>
+        </p:spPr>
+      </p:pic>
+      <p:pic>
+        <p:nvPicPr>
+          <p:cNvPr id="13" name="Picture 12">
+            <a:extLst>
+              <a:ext uri="{FF2B5EF4-FFF2-40B4-BE49-F238E27FC236}">
+                <a16:creationId xmlns:a16="http://schemas.microsoft.com/office/drawing/2014/main" id="{91DC76A5-527E-4042-BC71-F05077E48DE4}"/>
+              </a:ext>
+            </a:extLst>
+          </p:cNvPr>
+          <p:cNvPicPr>
+            <a:picLocks noChangeAspect="1"/>
+          </p:cNvPicPr>
+          <p:nvPr/>
+        </p:nvPicPr>
+        <p:blipFill>
+          <a:blip r:embed="rId3"/>
+          <a:stretch>
+            <a:fillRect/>
+          </a:stretch>
+        </p:blipFill>
+        <p:spPr>
+          <a:xfrm>
+            <a:off x="418391" y="1956704"/>
+            <a:ext cx="5073901" cy="4014751"/>
+          </a:xfrm>
+          <a:prstGeom prst="rect">
+            <a:avLst/>
+          </a:prstGeom>
+        </p:spPr>
+      </p:pic>
     </p:spTree>
     <p:extLst>
       <p:ext uri="{BB962C8B-B14F-4D97-AF65-F5344CB8AC3E}">
-        <p14:creationId xmlns:p14="http://schemas.microsoft.com/office/powerpoint/2010/main" val="1454893401"/>
+        <p14:creationId xmlns:p14="http://schemas.microsoft.com/office/powerpoint/2010/main" val="1814835804"/>
       </p:ext>
     </p:extLst>
   </p:cSld>
@@ -7452,6 +7624,107 @@
               <a:t>9</a:t>
             </a:fld>
             <a:endParaRPr lang="en-US"/>
+          </a:p>
+        </p:txBody>
+      </p:sp>
+      <p:sp>
+        <p:nvSpPr>
+          <p:cNvPr id="7" name="TextBox 6">
+            <a:extLst>
+              <a:ext uri="{FF2B5EF4-FFF2-40B4-BE49-F238E27FC236}">
+                <a16:creationId xmlns:a16="http://schemas.microsoft.com/office/drawing/2014/main" id="{94EB8A6A-8C9D-4AEA-B618-CCC2A4EB5F7A}"/>
+              </a:ext>
+            </a:extLst>
+          </p:cNvPr>
+          <p:cNvSpPr txBox="1"/>
+          <p:nvPr/>
+        </p:nvSpPr>
+        <p:spPr>
+          <a:xfrm>
+            <a:off x="628652" y="2240692"/>
+            <a:ext cx="7782180" cy="2585323"/>
+          </a:xfrm>
+          <a:prstGeom prst="rect">
+            <a:avLst/>
+          </a:prstGeom>
+          <a:noFill/>
+        </p:spPr>
+        <p:txBody>
+          <a:bodyPr wrap="square" rtlCol="0">
+            <a:spAutoFit/>
+          </a:bodyPr>
+          <a:lstStyle/>
+          <a:p>
+            <a:r>
+              <a:rPr lang="en-US" sz="1600" dirty="0">
+                <a:solidFill>
+                  <a:schemeClr val="accent1"/>
+                </a:solidFill>
+              </a:rPr>
+              <a:t>Data played heavily into the accuracy of our models;</a:t>
+            </a:r>
+          </a:p>
+          <a:p>
+            <a:r>
+              <a:rPr lang="en-US" sz="1600" dirty="0">
+                <a:solidFill>
+                  <a:schemeClr val="accent1"/>
+                </a:solidFill>
+              </a:rPr>
+              <a:t>	Neural Network: 95-97%</a:t>
+            </a:r>
+          </a:p>
+          <a:p>
+            <a:r>
+              <a:rPr lang="en-US" sz="1600" dirty="0">
+                <a:solidFill>
+                  <a:schemeClr val="accent1"/>
+                </a:solidFill>
+              </a:rPr>
+              <a:t>	PCA: Successfully clustered based on diagnosis.</a:t>
+            </a:r>
+          </a:p>
+          <a:p>
+            <a:r>
+              <a:rPr lang="en-US" sz="1600" dirty="0">
+                <a:solidFill>
+                  <a:schemeClr val="accent1"/>
+                </a:solidFill>
+              </a:rPr>
+              <a:t>	Random Forest: 95-97%</a:t>
+            </a:r>
+          </a:p>
+          <a:p>
+            <a:endParaRPr lang="en-US" sz="1600" dirty="0">
+              <a:solidFill>
+                <a:schemeClr val="accent1"/>
+              </a:solidFill>
+            </a:endParaRPr>
+          </a:p>
+          <a:p>
+            <a:endParaRPr lang="en-US" sz="1600" dirty="0">
+              <a:solidFill>
+                <a:schemeClr val="accent1"/>
+              </a:solidFill>
+            </a:endParaRPr>
+          </a:p>
+          <a:p>
+            <a:r>
+              <a:rPr lang="en-US" sz="1600" dirty="0">
+                <a:solidFill>
+                  <a:schemeClr val="accent1"/>
+                </a:solidFill>
+              </a:rPr>
+              <a:t>The next plausible direction would be to use the Dataset to determine survival rate based on the 30 features. Is there a solid line that can be drawn based on the features that can help medical professionals determine survival.</a:t>
+            </a:r>
+            <a:endParaRPr lang="en-US" sz="1800" dirty="0">
+              <a:solidFill>
+                <a:schemeClr val="accent1"/>
+              </a:solidFill>
+            </a:endParaRPr>
+          </a:p>
+          <a:p>
+            <a:endParaRPr lang="en-US" dirty="0"/>
           </a:p>
         </p:txBody>
       </p:sp>

--- a/mfarm/Project-4.pptx
+++ b/mfarm/Project-4.pptx
@@ -123,7 +123,7 @@
 <file path=ppt/revisionInfo.xml><?xml version="1.0" encoding="utf-8"?>
 <p1510:revInfo xmlns:a="http://schemas.openxmlformats.org/drawingml/2006/main" xmlns:r="http://schemas.openxmlformats.org/officeDocument/2006/relationships" xmlns:p1510="http://schemas.microsoft.com/office/powerpoint/2015/10/main">
   <p1510:revLst>
-    <p1510:client id="{E25EFC7A-BAD6-4E77-A37C-B78D98B20494}" v="15" dt="2021-10-28T03:55:57.443"/>
+    <p1510:client id="{E25EFC7A-BAD6-4E77-A37C-B78D98B20494}" v="17" dt="2021-10-30T17:08:25.122"/>
   </p1510:revLst>
 </p1510:revInfo>
 </file>
@@ -133,7 +133,7 @@
   <pc:docChgLst>
     <pc:chgData name="Michael Farm" userId="f6dc6ede-c944-4ef2-8370-dc2a56a49865" providerId="ADAL" clId="{E25EFC7A-BAD6-4E77-A37C-B78D98B20494}"/>
     <pc:docChg chg="custSel addSld delSld modSld">
-      <pc:chgData name="Michael Farm" userId="f6dc6ede-c944-4ef2-8370-dc2a56a49865" providerId="ADAL" clId="{E25EFC7A-BAD6-4E77-A37C-B78D98B20494}" dt="2021-10-28T04:03:04.820" v="701" actId="20577"/>
+      <pc:chgData name="Michael Farm" userId="f6dc6ede-c944-4ef2-8370-dc2a56a49865" providerId="ADAL" clId="{E25EFC7A-BAD6-4E77-A37C-B78D98B20494}" dt="2021-10-30T17:09:39.450" v="718" actId="1076"/>
       <pc:docMkLst>
         <pc:docMk/>
       </pc:docMkLst>
@@ -222,7 +222,7 @@
         </pc:spChg>
       </pc:sldChg>
       <pc:sldChg chg="addSp delSp modSp mod">
-        <pc:chgData name="Michael Farm" userId="f6dc6ede-c944-4ef2-8370-dc2a56a49865" providerId="ADAL" clId="{E25EFC7A-BAD6-4E77-A37C-B78D98B20494}" dt="2021-10-28T03:52:18.042" v="210" actId="1076"/>
+        <pc:chgData name="Michael Farm" userId="f6dc6ede-c944-4ef2-8370-dc2a56a49865" providerId="ADAL" clId="{E25EFC7A-BAD6-4E77-A37C-B78D98B20494}" dt="2021-10-30T17:09:39.450" v="718" actId="1076"/>
         <pc:sldMkLst>
           <pc:docMk/>
           <pc:sldMk cId="3066507981" sldId="264"/>
@@ -236,11 +236,19 @@
           </ac:spMkLst>
         </pc:spChg>
         <pc:picChg chg="add mod">
-          <ac:chgData name="Michael Farm" userId="f6dc6ede-c944-4ef2-8370-dc2a56a49865" providerId="ADAL" clId="{E25EFC7A-BAD6-4E77-A37C-B78D98B20494}" dt="2021-10-28T03:27:59.926" v="96" actId="1076"/>
+          <ac:chgData name="Michael Farm" userId="f6dc6ede-c944-4ef2-8370-dc2a56a49865" providerId="ADAL" clId="{E25EFC7A-BAD6-4E77-A37C-B78D98B20494}" dt="2021-10-30T17:09:39.450" v="718" actId="1076"/>
           <ac:picMkLst>
             <pc:docMk/>
             <pc:sldMk cId="3066507981" sldId="264"/>
             <ac:picMk id="3" creationId="{3685527C-4432-44CE-8F26-3D37B2D1D642}"/>
+          </ac:picMkLst>
+        </pc:picChg>
+        <pc:picChg chg="add mod ord">
+          <ac:chgData name="Michael Farm" userId="f6dc6ede-c944-4ef2-8370-dc2a56a49865" providerId="ADAL" clId="{E25EFC7A-BAD6-4E77-A37C-B78D98B20494}" dt="2021-10-30T17:09:04.547" v="714" actId="1076"/>
+          <ac:picMkLst>
+            <pc:docMk/>
+            <pc:sldMk cId="3066507981" sldId="264"/>
+            <ac:picMk id="7" creationId="{650DD772-6ED4-4231-9906-E1EE68C89824}"/>
           </ac:picMkLst>
         </pc:picChg>
         <pc:picChg chg="add del mod">
@@ -249,6 +257,14 @@
             <pc:docMk/>
             <pc:sldMk cId="3066507981" sldId="264"/>
             <ac:picMk id="8" creationId="{A3E203DC-33E9-4115-917B-0861FAA85B6C}"/>
+          </ac:picMkLst>
+        </pc:picChg>
+        <pc:picChg chg="add mod">
+          <ac:chgData name="Michael Farm" userId="f6dc6ede-c944-4ef2-8370-dc2a56a49865" providerId="ADAL" clId="{E25EFC7A-BAD6-4E77-A37C-B78D98B20494}" dt="2021-10-30T17:09:07.403" v="715" actId="1076"/>
+          <ac:picMkLst>
+            <pc:docMk/>
+            <pc:sldMk cId="3066507981" sldId="264"/>
+            <ac:picMk id="8" creationId="{CBC91619-38F8-4306-B9B9-4B4762EBADC7}"/>
           </ac:picMkLst>
         </pc:picChg>
         <pc:picChg chg="add del mod">
@@ -267,8 +283,8 @@
             <ac:picMk id="11" creationId="{B8F570BA-DAAF-4D0A-AF25-BF65FF1FAE7A}"/>
           </ac:picMkLst>
         </pc:picChg>
-        <pc:picChg chg="add mod">
-          <ac:chgData name="Michael Farm" userId="f6dc6ede-c944-4ef2-8370-dc2a56a49865" providerId="ADAL" clId="{E25EFC7A-BAD6-4E77-A37C-B78D98B20494}" dt="2021-10-28T03:52:18.042" v="210" actId="1076"/>
+        <pc:picChg chg="add del mod">
+          <ac:chgData name="Michael Farm" userId="f6dc6ede-c944-4ef2-8370-dc2a56a49865" providerId="ADAL" clId="{E25EFC7A-BAD6-4E77-A37C-B78D98B20494}" dt="2021-10-30T17:08:04.195" v="702" actId="478"/>
           <ac:picMkLst>
             <pc:docMk/>
             <pc:sldMk cId="3066507981" sldId="264"/>
@@ -7117,8 +7133,8 @@
         </p:blipFill>
         <p:spPr>
           <a:xfrm>
-            <a:off x="458077" y="2110775"/>
-            <a:ext cx="5096454" cy="3717573"/>
+            <a:off x="592729" y="1971810"/>
+            <a:ext cx="5477468" cy="3995501"/>
           </a:xfrm>
           <a:prstGeom prst="rect">
             <a:avLst/>
@@ -7169,10 +7185,10 @@
       </p:sp>
       <p:pic>
         <p:nvPicPr>
-          <p:cNvPr id="12" name="Picture 11">
-            <a:extLst>
-              <a:ext uri="{FF2B5EF4-FFF2-40B4-BE49-F238E27FC236}">
-                <a16:creationId xmlns:a16="http://schemas.microsoft.com/office/drawing/2014/main" id="{D7C5314B-3750-4F28-A321-C44EF6EC8B02}"/>
+          <p:cNvPr id="8" name="Picture 7">
+            <a:extLst>
+              <a:ext uri="{FF2B5EF4-FFF2-40B4-BE49-F238E27FC236}">
+                <a16:creationId xmlns:a16="http://schemas.microsoft.com/office/drawing/2014/main" id="{CBC91619-38F8-4306-B9B9-4B4762EBADC7}"/>
               </a:ext>
             </a:extLst>
           </p:cNvPr>
@@ -7189,8 +7205,38 @@
         </p:blipFill>
         <p:spPr>
           <a:xfrm>
-            <a:off x="5651807" y="2110775"/>
-            <a:ext cx="2683975" cy="2218034"/>
+            <a:off x="6826515" y="3992642"/>
+            <a:ext cx="3133725" cy="2057400"/>
+          </a:xfrm>
+          <a:prstGeom prst="rect">
+            <a:avLst/>
+          </a:prstGeom>
+        </p:spPr>
+      </p:pic>
+      <p:pic>
+        <p:nvPicPr>
+          <p:cNvPr id="7" name="Picture 6">
+            <a:extLst>
+              <a:ext uri="{FF2B5EF4-FFF2-40B4-BE49-F238E27FC236}">
+                <a16:creationId xmlns:a16="http://schemas.microsoft.com/office/drawing/2014/main" id="{650DD772-6ED4-4231-9906-E1EE68C89824}"/>
+              </a:ext>
+            </a:extLst>
+          </p:cNvPr>
+          <p:cNvPicPr>
+            <a:picLocks noChangeAspect="1"/>
+          </p:cNvPicPr>
+          <p:nvPr/>
+        </p:nvPicPr>
+        <p:blipFill>
+          <a:blip r:embed="rId4"/>
+          <a:stretch>
+            <a:fillRect/>
+          </a:stretch>
+        </p:blipFill>
+        <p:spPr>
+          <a:xfrm>
+            <a:off x="6826515" y="1921686"/>
+            <a:ext cx="3009900" cy="2047875"/>
           </a:xfrm>
           <a:prstGeom prst="rect">
             <a:avLst/>
